--- a/Anhang.pptx
+++ b/Anhang.pptx
@@ -162,10 +162,9 @@
           </a:lstStyle>
           <a:p>
             <a:r>
-              <a:rPr lang="de-DE" smtClean="0"/>
+              <a:rPr lang="de-DE"/>
               <a:t>Titelmasterformat durch Klicken bearbeiten</a:t>
             </a:r>
-            <a:endParaRPr lang="de-DE"/>
           </a:p>
         </p:txBody>
       </p:sp>
@@ -227,10 +226,9 @@
           </a:lstStyle>
           <a:p>
             <a:r>
-              <a:rPr lang="de-DE" smtClean="0"/>
+              <a:rPr lang="de-DE"/>
               <a:t>Formatvorlage des Untertitelmasters durch Klicken bearbeiten</a:t>
             </a:r>
-            <a:endParaRPr lang="de-DE"/>
           </a:p>
         </p:txBody>
       </p:sp>
@@ -345,10 +343,9 @@
           <a:lstStyle/>
           <a:p>
             <a:r>
-              <a:rPr lang="de-DE" smtClean="0"/>
+              <a:rPr lang="de-DE"/>
               <a:t>Titelmasterformat durch Klicken bearbeiten</a:t>
             </a:r>
-            <a:endParaRPr lang="de-DE"/>
           </a:p>
         </p:txBody>
       </p:sp>
@@ -369,38 +366,37 @@
           <a:p>
             <a:pPr lvl="0"/>
             <a:r>
-              <a:rPr lang="de-DE" smtClean="0"/>
+              <a:rPr lang="de-DE"/>
               <a:t>Textmasterformat bearbeiten</a:t>
             </a:r>
           </a:p>
           <a:p>
             <a:pPr lvl="1"/>
             <a:r>
-              <a:rPr lang="de-DE" smtClean="0"/>
+              <a:rPr lang="de-DE"/>
               <a:t>Zweite Ebene</a:t>
             </a:r>
           </a:p>
           <a:p>
             <a:pPr lvl="2"/>
             <a:r>
-              <a:rPr lang="de-DE" smtClean="0"/>
+              <a:rPr lang="de-DE"/>
               <a:t>Dritte Ebene</a:t>
             </a:r>
           </a:p>
           <a:p>
             <a:pPr lvl="3"/>
             <a:r>
-              <a:rPr lang="de-DE" smtClean="0"/>
+              <a:rPr lang="de-DE"/>
               <a:t>Vierte Ebene</a:t>
             </a:r>
           </a:p>
           <a:p>
             <a:pPr lvl="4"/>
             <a:r>
-              <a:rPr lang="de-DE" smtClean="0"/>
+              <a:rPr lang="de-DE"/>
               <a:t>Fünfte Ebene</a:t>
             </a:r>
-            <a:endParaRPr lang="de-DE"/>
           </a:p>
         </p:txBody>
       </p:sp>
@@ -520,10 +516,9 @@
           <a:lstStyle/>
           <a:p>
             <a:r>
-              <a:rPr lang="de-DE" smtClean="0"/>
+              <a:rPr lang="de-DE"/>
               <a:t>Titelmasterformat durch Klicken bearbeiten</a:t>
             </a:r>
-            <a:endParaRPr lang="de-DE"/>
           </a:p>
         </p:txBody>
       </p:sp>
@@ -549,38 +544,37 @@
           <a:p>
             <a:pPr lvl="0"/>
             <a:r>
-              <a:rPr lang="de-DE" smtClean="0"/>
+              <a:rPr lang="de-DE"/>
               <a:t>Textmasterformat bearbeiten</a:t>
             </a:r>
           </a:p>
           <a:p>
             <a:pPr lvl="1"/>
             <a:r>
-              <a:rPr lang="de-DE" smtClean="0"/>
+              <a:rPr lang="de-DE"/>
               <a:t>Zweite Ebene</a:t>
             </a:r>
           </a:p>
           <a:p>
             <a:pPr lvl="2"/>
             <a:r>
-              <a:rPr lang="de-DE" smtClean="0"/>
+              <a:rPr lang="de-DE"/>
               <a:t>Dritte Ebene</a:t>
             </a:r>
           </a:p>
           <a:p>
             <a:pPr lvl="3"/>
             <a:r>
-              <a:rPr lang="de-DE" smtClean="0"/>
+              <a:rPr lang="de-DE"/>
               <a:t>Vierte Ebene</a:t>
             </a:r>
           </a:p>
           <a:p>
             <a:pPr lvl="4"/>
             <a:r>
-              <a:rPr lang="de-DE" smtClean="0"/>
+              <a:rPr lang="de-DE"/>
               <a:t>Fünfte Ebene</a:t>
             </a:r>
-            <a:endParaRPr lang="de-DE"/>
           </a:p>
         </p:txBody>
       </p:sp>
@@ -695,10 +689,9 @@
           <a:lstStyle/>
           <a:p>
             <a:r>
-              <a:rPr lang="de-DE" smtClean="0"/>
+              <a:rPr lang="de-DE"/>
               <a:t>Titelmasterformat durch Klicken bearbeiten</a:t>
             </a:r>
-            <a:endParaRPr lang="de-DE"/>
           </a:p>
         </p:txBody>
       </p:sp>
@@ -719,38 +712,37 @@
           <a:p>
             <a:pPr lvl="0"/>
             <a:r>
-              <a:rPr lang="de-DE" smtClean="0"/>
+              <a:rPr lang="de-DE"/>
               <a:t>Textmasterformat bearbeiten</a:t>
             </a:r>
           </a:p>
           <a:p>
             <a:pPr lvl="1"/>
             <a:r>
-              <a:rPr lang="de-DE" smtClean="0"/>
+              <a:rPr lang="de-DE"/>
               <a:t>Zweite Ebene</a:t>
             </a:r>
           </a:p>
           <a:p>
             <a:pPr lvl="2"/>
             <a:r>
-              <a:rPr lang="de-DE" smtClean="0"/>
+              <a:rPr lang="de-DE"/>
               <a:t>Dritte Ebene</a:t>
             </a:r>
           </a:p>
           <a:p>
             <a:pPr lvl="3"/>
             <a:r>
-              <a:rPr lang="de-DE" smtClean="0"/>
+              <a:rPr lang="de-DE"/>
               <a:t>Vierte Ebene</a:t>
             </a:r>
           </a:p>
           <a:p>
             <a:pPr lvl="4"/>
             <a:r>
-              <a:rPr lang="de-DE" smtClean="0"/>
+              <a:rPr lang="de-DE"/>
               <a:t>Fünfte Ebene</a:t>
             </a:r>
-            <a:endParaRPr lang="de-DE"/>
           </a:p>
         </p:txBody>
       </p:sp>
@@ -874,10 +866,9 @@
           </a:lstStyle>
           <a:p>
             <a:r>
-              <a:rPr lang="de-DE" smtClean="0"/>
+              <a:rPr lang="de-DE"/>
               <a:t>Titelmasterformat durch Klicken bearbeiten</a:t>
             </a:r>
-            <a:endParaRPr lang="de-DE"/>
           </a:p>
         </p:txBody>
       </p:sp>
@@ -994,7 +985,7 @@
           <a:p>
             <a:pPr lvl="0"/>
             <a:r>
-              <a:rPr lang="de-DE" smtClean="0"/>
+              <a:rPr lang="de-DE"/>
               <a:t>Textmasterformat bearbeiten</a:t>
             </a:r>
           </a:p>
@@ -1111,10 +1102,9 @@
           <a:lstStyle/>
           <a:p>
             <a:r>
-              <a:rPr lang="de-DE" smtClean="0"/>
+              <a:rPr lang="de-DE"/>
               <a:t>Titelmasterformat durch Klicken bearbeiten</a:t>
             </a:r>
-            <a:endParaRPr lang="de-DE"/>
           </a:p>
         </p:txBody>
       </p:sp>
@@ -1140,38 +1130,37 @@
           <a:p>
             <a:pPr lvl="0"/>
             <a:r>
-              <a:rPr lang="de-DE" smtClean="0"/>
+              <a:rPr lang="de-DE"/>
               <a:t>Textmasterformat bearbeiten</a:t>
             </a:r>
           </a:p>
           <a:p>
             <a:pPr lvl="1"/>
             <a:r>
-              <a:rPr lang="de-DE" smtClean="0"/>
+              <a:rPr lang="de-DE"/>
               <a:t>Zweite Ebene</a:t>
             </a:r>
           </a:p>
           <a:p>
             <a:pPr lvl="2"/>
             <a:r>
-              <a:rPr lang="de-DE" smtClean="0"/>
+              <a:rPr lang="de-DE"/>
               <a:t>Dritte Ebene</a:t>
             </a:r>
           </a:p>
           <a:p>
             <a:pPr lvl="3"/>
             <a:r>
-              <a:rPr lang="de-DE" smtClean="0"/>
+              <a:rPr lang="de-DE"/>
               <a:t>Vierte Ebene</a:t>
             </a:r>
           </a:p>
           <a:p>
             <a:pPr lvl="4"/>
             <a:r>
-              <a:rPr lang="de-DE" smtClean="0"/>
+              <a:rPr lang="de-DE"/>
               <a:t>Fünfte Ebene</a:t>
             </a:r>
-            <a:endParaRPr lang="de-DE"/>
           </a:p>
         </p:txBody>
       </p:sp>
@@ -1197,38 +1186,37 @@
           <a:p>
             <a:pPr lvl="0"/>
             <a:r>
-              <a:rPr lang="de-DE" smtClean="0"/>
+              <a:rPr lang="de-DE"/>
               <a:t>Textmasterformat bearbeiten</a:t>
             </a:r>
           </a:p>
           <a:p>
             <a:pPr lvl="1"/>
             <a:r>
-              <a:rPr lang="de-DE" smtClean="0"/>
+              <a:rPr lang="de-DE"/>
               <a:t>Zweite Ebene</a:t>
             </a:r>
           </a:p>
           <a:p>
             <a:pPr lvl="2"/>
             <a:r>
-              <a:rPr lang="de-DE" smtClean="0"/>
+              <a:rPr lang="de-DE"/>
               <a:t>Dritte Ebene</a:t>
             </a:r>
           </a:p>
           <a:p>
             <a:pPr lvl="3"/>
             <a:r>
-              <a:rPr lang="de-DE" smtClean="0"/>
+              <a:rPr lang="de-DE"/>
               <a:t>Vierte Ebene</a:t>
             </a:r>
           </a:p>
           <a:p>
             <a:pPr lvl="4"/>
             <a:r>
-              <a:rPr lang="de-DE" smtClean="0"/>
+              <a:rPr lang="de-DE"/>
               <a:t>Fünfte Ebene</a:t>
             </a:r>
-            <a:endParaRPr lang="de-DE"/>
           </a:p>
         </p:txBody>
       </p:sp>
@@ -1348,10 +1336,9 @@
           <a:lstStyle/>
           <a:p>
             <a:r>
-              <a:rPr lang="de-DE" smtClean="0"/>
+              <a:rPr lang="de-DE"/>
               <a:t>Titelmasterformat durch Klicken bearbeiten</a:t>
             </a:r>
-            <a:endParaRPr lang="de-DE"/>
           </a:p>
         </p:txBody>
       </p:sp>
@@ -1414,7 +1401,7 @@
           <a:p>
             <a:pPr lvl="0"/>
             <a:r>
-              <a:rPr lang="de-DE" smtClean="0"/>
+              <a:rPr lang="de-DE"/>
               <a:t>Textmasterformat bearbeiten</a:t>
             </a:r>
           </a:p>
@@ -1442,38 +1429,37 @@
           <a:p>
             <a:pPr lvl="0"/>
             <a:r>
-              <a:rPr lang="de-DE" smtClean="0"/>
+              <a:rPr lang="de-DE"/>
               <a:t>Textmasterformat bearbeiten</a:t>
             </a:r>
           </a:p>
           <a:p>
             <a:pPr lvl="1"/>
             <a:r>
-              <a:rPr lang="de-DE" smtClean="0"/>
+              <a:rPr lang="de-DE"/>
               <a:t>Zweite Ebene</a:t>
             </a:r>
           </a:p>
           <a:p>
             <a:pPr lvl="2"/>
             <a:r>
-              <a:rPr lang="de-DE" smtClean="0"/>
+              <a:rPr lang="de-DE"/>
               <a:t>Dritte Ebene</a:t>
             </a:r>
           </a:p>
           <a:p>
             <a:pPr lvl="3"/>
             <a:r>
-              <a:rPr lang="de-DE" smtClean="0"/>
+              <a:rPr lang="de-DE"/>
               <a:t>Vierte Ebene</a:t>
             </a:r>
           </a:p>
           <a:p>
             <a:pPr lvl="4"/>
             <a:r>
-              <a:rPr lang="de-DE" smtClean="0"/>
+              <a:rPr lang="de-DE"/>
               <a:t>Fünfte Ebene</a:t>
             </a:r>
-            <a:endParaRPr lang="de-DE"/>
           </a:p>
         </p:txBody>
       </p:sp>
@@ -1536,7 +1522,7 @@
           <a:p>
             <a:pPr lvl="0"/>
             <a:r>
-              <a:rPr lang="de-DE" smtClean="0"/>
+              <a:rPr lang="de-DE"/>
               <a:t>Textmasterformat bearbeiten</a:t>
             </a:r>
           </a:p>
@@ -1564,38 +1550,37 @@
           <a:p>
             <a:pPr lvl="0"/>
             <a:r>
-              <a:rPr lang="de-DE" smtClean="0"/>
+              <a:rPr lang="de-DE"/>
               <a:t>Textmasterformat bearbeiten</a:t>
             </a:r>
           </a:p>
           <a:p>
             <a:pPr lvl="1"/>
             <a:r>
-              <a:rPr lang="de-DE" smtClean="0"/>
+              <a:rPr lang="de-DE"/>
               <a:t>Zweite Ebene</a:t>
             </a:r>
           </a:p>
           <a:p>
             <a:pPr lvl="2"/>
             <a:r>
-              <a:rPr lang="de-DE" smtClean="0"/>
+              <a:rPr lang="de-DE"/>
               <a:t>Dritte Ebene</a:t>
             </a:r>
           </a:p>
           <a:p>
             <a:pPr lvl="3"/>
             <a:r>
-              <a:rPr lang="de-DE" smtClean="0"/>
+              <a:rPr lang="de-DE"/>
               <a:t>Vierte Ebene</a:t>
             </a:r>
           </a:p>
           <a:p>
             <a:pPr lvl="4"/>
             <a:r>
-              <a:rPr lang="de-DE" smtClean="0"/>
+              <a:rPr lang="de-DE"/>
               <a:t>Fünfte Ebene</a:t>
             </a:r>
-            <a:endParaRPr lang="de-DE"/>
           </a:p>
         </p:txBody>
       </p:sp>
@@ -1710,10 +1695,9 @@
           <a:lstStyle/>
           <a:p>
             <a:r>
-              <a:rPr lang="de-DE" smtClean="0"/>
+              <a:rPr lang="de-DE"/>
               <a:t>Titelmasterformat durch Klicken bearbeiten</a:t>
             </a:r>
-            <a:endParaRPr lang="de-DE"/>
           </a:p>
         </p:txBody>
       </p:sp>
@@ -1932,10 +1916,9 @@
           </a:lstStyle>
           <a:p>
             <a:r>
-              <a:rPr lang="de-DE" smtClean="0"/>
+              <a:rPr lang="de-DE"/>
               <a:t>Titelmasterformat durch Klicken bearbeiten</a:t>
             </a:r>
-            <a:endParaRPr lang="de-DE"/>
           </a:p>
         </p:txBody>
       </p:sp>
@@ -1989,38 +1972,37 @@
           <a:p>
             <a:pPr lvl="0"/>
             <a:r>
-              <a:rPr lang="de-DE" smtClean="0"/>
+              <a:rPr lang="de-DE"/>
               <a:t>Textmasterformat bearbeiten</a:t>
             </a:r>
           </a:p>
           <a:p>
             <a:pPr lvl="1"/>
             <a:r>
-              <a:rPr lang="de-DE" smtClean="0"/>
+              <a:rPr lang="de-DE"/>
               <a:t>Zweite Ebene</a:t>
             </a:r>
           </a:p>
           <a:p>
             <a:pPr lvl="2"/>
             <a:r>
-              <a:rPr lang="de-DE" smtClean="0"/>
+              <a:rPr lang="de-DE"/>
               <a:t>Dritte Ebene</a:t>
             </a:r>
           </a:p>
           <a:p>
             <a:pPr lvl="3"/>
             <a:r>
-              <a:rPr lang="de-DE" smtClean="0"/>
+              <a:rPr lang="de-DE"/>
               <a:t>Vierte Ebene</a:t>
             </a:r>
           </a:p>
           <a:p>
             <a:pPr lvl="4"/>
             <a:r>
-              <a:rPr lang="de-DE" smtClean="0"/>
+              <a:rPr lang="de-DE"/>
               <a:t>Fünfte Ebene</a:t>
             </a:r>
-            <a:endParaRPr lang="de-DE"/>
           </a:p>
         </p:txBody>
       </p:sp>
@@ -2083,7 +2065,7 @@
           <a:p>
             <a:pPr lvl="0"/>
             <a:r>
-              <a:rPr lang="de-DE" smtClean="0"/>
+              <a:rPr lang="de-DE"/>
               <a:t>Textmasterformat bearbeiten</a:t>
             </a:r>
           </a:p>
@@ -2209,10 +2191,9 @@
           </a:lstStyle>
           <a:p>
             <a:r>
-              <a:rPr lang="de-DE" smtClean="0"/>
+              <a:rPr lang="de-DE"/>
               <a:t>Titelmasterformat durch Klicken bearbeiten</a:t>
             </a:r>
-            <a:endParaRPr lang="de-DE"/>
           </a:p>
         </p:txBody>
       </p:sp>
@@ -2336,7 +2317,7 @@
           <a:p>
             <a:pPr lvl="0"/>
             <a:r>
-              <a:rPr lang="de-DE" smtClean="0"/>
+              <a:rPr lang="de-DE"/>
               <a:t>Textmasterformat bearbeiten</a:t>
             </a:r>
           </a:p>
@@ -2468,10 +2449,9 @@
           <a:lstStyle/>
           <a:p>
             <a:r>
-              <a:rPr lang="de-DE" smtClean="0"/>
+              <a:rPr lang="de-DE"/>
               <a:t>Titelmasterformat durch Klicken bearbeiten</a:t>
             </a:r>
-            <a:endParaRPr lang="de-DE"/>
           </a:p>
         </p:txBody>
       </p:sp>
@@ -2502,38 +2482,37 @@
           <a:p>
             <a:pPr lvl="0"/>
             <a:r>
-              <a:rPr lang="de-DE" smtClean="0"/>
+              <a:rPr lang="de-DE"/>
               <a:t>Textmasterformat bearbeiten</a:t>
             </a:r>
           </a:p>
           <a:p>
             <a:pPr lvl="1"/>
             <a:r>
-              <a:rPr lang="de-DE" smtClean="0"/>
+              <a:rPr lang="de-DE"/>
               <a:t>Zweite Ebene</a:t>
             </a:r>
           </a:p>
           <a:p>
             <a:pPr lvl="2"/>
             <a:r>
-              <a:rPr lang="de-DE" smtClean="0"/>
+              <a:rPr lang="de-DE"/>
               <a:t>Dritte Ebene</a:t>
             </a:r>
           </a:p>
           <a:p>
             <a:pPr lvl="3"/>
             <a:r>
-              <a:rPr lang="de-DE" smtClean="0"/>
+              <a:rPr lang="de-DE"/>
               <a:t>Vierte Ebene</a:t>
             </a:r>
           </a:p>
           <a:p>
             <a:pPr lvl="4"/>
             <a:r>
-              <a:rPr lang="de-DE" smtClean="0"/>
+              <a:rPr lang="de-DE"/>
               <a:t>Fünfte Ebene</a:t>
             </a:r>
-            <a:endParaRPr lang="de-DE"/>
           </a:p>
         </p:txBody>
       </p:sp>
@@ -2993,10 +2972,9 @@
           <a:lstStyle/>
           <a:p>
             <a:r>
-              <a:rPr lang="de-DE" dirty="0" smtClean="0"/>
+              <a:rPr lang="de-DE" dirty="0"/>
               <a:t>Anhang</a:t>
             </a:r>
-            <a:endParaRPr lang="de-DE" dirty="0"/>
           </a:p>
         </p:txBody>
       </p:sp>
@@ -3098,10 +3076,9 @@
           <a:lstStyle/>
           <a:p>
             <a:r>
-              <a:rPr lang="de-DE" dirty="0" smtClean="0"/>
+              <a:rPr lang="de-DE" dirty="0"/>
               <a:t>Systemarchitektur</a:t>
             </a:r>
-            <a:endParaRPr lang="de-DE" dirty="0"/>
           </a:p>
         </p:txBody>
       </p:sp>
@@ -3170,10 +3147,9 @@
           <a:lstStyle/>
           <a:p>
             <a:r>
-              <a:rPr lang="de-DE" dirty="0" smtClean="0"/>
+              <a:rPr lang="de-DE" dirty="0"/>
               <a:t>Zeitplan vorher</a:t>
             </a:r>
-            <a:endParaRPr lang="de-DE" dirty="0"/>
           </a:p>
         </p:txBody>
       </p:sp>
@@ -3202,28 +3178,28 @@
                 <a:gridCol w="2628900">
                   <a:extLst>
                     <a:ext uri="{9D8B030D-6E8A-4147-A177-3AD203B41FA5}">
-                      <a16:colId xmlns="" xmlns:a16="http://schemas.microsoft.com/office/drawing/2014/main" val="20000"/>
+                      <a16:colId xmlns:a16="http://schemas.microsoft.com/office/drawing/2014/main" val="20000"/>
                     </a:ext>
                   </a:extLst>
                 </a:gridCol>
                 <a:gridCol w="2628900">
                   <a:extLst>
                     <a:ext uri="{9D8B030D-6E8A-4147-A177-3AD203B41FA5}">
-                      <a16:colId xmlns="" xmlns:a16="http://schemas.microsoft.com/office/drawing/2014/main" val="20001"/>
+                      <a16:colId xmlns:a16="http://schemas.microsoft.com/office/drawing/2014/main" val="20001"/>
                     </a:ext>
                   </a:extLst>
                 </a:gridCol>
                 <a:gridCol w="2628900">
                   <a:extLst>
                     <a:ext uri="{9D8B030D-6E8A-4147-A177-3AD203B41FA5}">
-                      <a16:colId xmlns="" xmlns:a16="http://schemas.microsoft.com/office/drawing/2014/main" val="20002"/>
+                      <a16:colId xmlns:a16="http://schemas.microsoft.com/office/drawing/2014/main" val="20002"/>
                     </a:ext>
                   </a:extLst>
                 </a:gridCol>
                 <a:gridCol w="2628900">
                   <a:extLst>
                     <a:ext uri="{9D8B030D-6E8A-4147-A177-3AD203B41FA5}">
-                      <a16:colId xmlns="" xmlns:a16="http://schemas.microsoft.com/office/drawing/2014/main" val="20003"/>
+                      <a16:colId xmlns:a16="http://schemas.microsoft.com/office/drawing/2014/main" val="20003"/>
                     </a:ext>
                   </a:extLst>
                 </a:gridCol>
@@ -3235,59 +3211,55 @@
                     <a:lstStyle/>
                     <a:p>
                       <a:r>
-                        <a:rPr lang="de-DE" dirty="0" smtClean="0"/>
+                        <a:rPr lang="de-DE" dirty="0"/>
                         <a:t>Woche</a:t>
                       </a:r>
-                      <a:endParaRPr lang="de-DE" dirty="0"/>
-                    </a:p>
-                  </a:txBody>
-                  <a:tcPr/>
-                </a:tc>
-                <a:tc>
-                  <a:txBody>
-                    <a:bodyPr/>
-                    <a:lstStyle/>
-                    <a:p>
-                      <a:r>
-                        <a:rPr lang="de-DE" dirty="0" smtClean="0"/>
+                    </a:p>
+                  </a:txBody>
+                  <a:tcPr/>
+                </a:tc>
+                <a:tc>
+                  <a:txBody>
+                    <a:bodyPr/>
+                    <a:lstStyle/>
+                    <a:p>
+                      <a:r>
+                        <a:rPr lang="de-DE" dirty="0"/>
                         <a:t>Niels</a:t>
                       </a:r>
-                      <a:endParaRPr lang="de-DE" dirty="0"/>
-                    </a:p>
-                  </a:txBody>
-                  <a:tcPr/>
-                </a:tc>
-                <a:tc>
-                  <a:txBody>
-                    <a:bodyPr/>
-                    <a:lstStyle/>
-                    <a:p>
-                      <a:r>
-                        <a:rPr lang="de-DE" dirty="0" smtClean="0"/>
+                    </a:p>
+                  </a:txBody>
+                  <a:tcPr/>
+                </a:tc>
+                <a:tc>
+                  <a:txBody>
+                    <a:bodyPr/>
+                    <a:lstStyle/>
+                    <a:p>
+                      <a:r>
+                        <a:rPr lang="de-DE" dirty="0"/>
                         <a:t>Robert</a:t>
                       </a:r>
-                      <a:endParaRPr lang="de-DE" dirty="0"/>
-                    </a:p>
-                  </a:txBody>
-                  <a:tcPr/>
-                </a:tc>
-                <a:tc>
-                  <a:txBody>
-                    <a:bodyPr/>
-                    <a:lstStyle/>
-                    <a:p>
-                      <a:r>
-                        <a:rPr lang="de-DE" dirty="0" smtClean="0"/>
+                    </a:p>
+                  </a:txBody>
+                  <a:tcPr/>
+                </a:tc>
+                <a:tc>
+                  <a:txBody>
+                    <a:bodyPr/>
+                    <a:lstStyle/>
+                    <a:p>
+                      <a:r>
+                        <a:rPr lang="de-DE" dirty="0"/>
                         <a:t>Daniel</a:t>
                       </a:r>
-                      <a:endParaRPr lang="de-DE" dirty="0"/>
                     </a:p>
                   </a:txBody>
                   <a:tcPr/>
                 </a:tc>
                 <a:extLst>
                   <a:ext uri="{0D108BD9-81ED-4DB2-BD59-A6C34878D82A}">
-                    <a16:rowId xmlns="" xmlns:a16="http://schemas.microsoft.com/office/drawing/2014/main" val="10000"/>
+                    <a16:rowId xmlns:a16="http://schemas.microsoft.com/office/drawing/2014/main" val="10000"/>
                   </a:ext>
                 </a:extLst>
               </a:tr>
@@ -3298,25 +3270,24 @@
                     <a:lstStyle/>
                     <a:p>
                       <a:r>
-                        <a:rPr lang="de-DE" dirty="0" smtClean="0"/>
+                        <a:rPr lang="de-DE" dirty="0"/>
                         <a:t>KW 26</a:t>
                       </a:r>
-                      <a:endParaRPr lang="de-DE" dirty="0"/>
-                    </a:p>
-                  </a:txBody>
-                  <a:tcPr/>
-                </a:tc>
-                <a:tc>
-                  <a:txBody>
-                    <a:bodyPr/>
-                    <a:lstStyle/>
-                    <a:p>
-                      <a:r>
-                        <a:rPr lang="de-DE" dirty="0" smtClean="0"/>
+                    </a:p>
+                  </a:txBody>
+                  <a:tcPr/>
+                </a:tc>
+                <a:tc>
+                  <a:txBody>
+                    <a:bodyPr/>
+                    <a:lstStyle/>
+                    <a:p>
+                      <a:r>
+                        <a:rPr lang="de-DE" dirty="0"/>
                         <a:t>Finale</a:t>
                       </a:r>
                       <a:r>
-                        <a:rPr lang="de-DE" baseline="0" dirty="0" smtClean="0"/>
+                        <a:rPr lang="de-DE" baseline="0" dirty="0"/>
                         <a:t> Planung</a:t>
                       </a:r>
                     </a:p>
@@ -3349,14 +3320,14 @@
                         <a:defRPr/>
                       </a:pPr>
                       <a:r>
-                        <a:rPr lang="de-DE" dirty="0" smtClean="0"/>
+                        <a:rPr lang="de-DE" dirty="0"/>
                         <a:t>Finale</a:t>
                       </a:r>
                       <a:r>
-                        <a:rPr lang="de-DE" baseline="0" dirty="0" smtClean="0"/>
+                        <a:rPr lang="de-DE" baseline="0" dirty="0"/>
                         <a:t> Planung</a:t>
                       </a:r>
-                      <a:endParaRPr lang="de-DE" dirty="0" smtClean="0"/>
+                      <a:endParaRPr lang="de-DE" dirty="0"/>
                     </a:p>
                     <a:p>
                       <a:endParaRPr lang="de-DE" dirty="0"/>
@@ -3387,14 +3358,14 @@
                         <a:defRPr/>
                       </a:pPr>
                       <a:r>
-                        <a:rPr lang="de-DE" dirty="0" smtClean="0"/>
+                        <a:rPr lang="de-DE" dirty="0"/>
                         <a:t>Finale</a:t>
                       </a:r>
                       <a:r>
-                        <a:rPr lang="de-DE" baseline="0" dirty="0" smtClean="0"/>
+                        <a:rPr lang="de-DE" baseline="0" dirty="0"/>
                         <a:t> Planung</a:t>
                       </a:r>
-                      <a:endParaRPr lang="de-DE" dirty="0" smtClean="0"/>
+                      <a:endParaRPr lang="de-DE" dirty="0"/>
                     </a:p>
                     <a:p>
                       <a:endParaRPr lang="de-DE" dirty="0"/>
@@ -3404,7 +3375,7 @@
                 </a:tc>
                 <a:extLst>
                   <a:ext uri="{0D108BD9-81ED-4DB2-BD59-A6C34878D82A}">
-                    <a16:rowId xmlns="" xmlns:a16="http://schemas.microsoft.com/office/drawing/2014/main" val="10001"/>
+                    <a16:rowId xmlns:a16="http://schemas.microsoft.com/office/drawing/2014/main" val="10001"/>
                   </a:ext>
                 </a:extLst>
               </a:tr>
@@ -3415,25 +3386,24 @@
                     <a:lstStyle/>
                     <a:p>
                       <a:r>
-                        <a:rPr lang="de-DE" dirty="0" smtClean="0"/>
+                        <a:rPr lang="de-DE" dirty="0"/>
                         <a:t>KW 27</a:t>
                       </a:r>
-                      <a:endParaRPr lang="de-DE" dirty="0"/>
-                    </a:p>
-                  </a:txBody>
-                  <a:tcPr/>
-                </a:tc>
-                <a:tc>
-                  <a:txBody>
-                    <a:bodyPr/>
-                    <a:lstStyle/>
-                    <a:p>
-                      <a:r>
-                        <a:rPr lang="de-DE" dirty="0" smtClean="0"/>
+                    </a:p>
+                  </a:txBody>
+                  <a:tcPr/>
+                </a:tc>
+                <a:tc>
+                  <a:txBody>
+                    <a:bodyPr/>
+                    <a:lstStyle/>
+                    <a:p>
+                      <a:r>
+                        <a:rPr lang="de-DE" dirty="0"/>
                         <a:t>Prüfungs</a:t>
                       </a:r>
                       <a:r>
-                        <a:rPr lang="de-DE" baseline="0" dirty="0" smtClean="0"/>
+                        <a:rPr lang="de-DE" baseline="0" dirty="0"/>
                         <a:t>vorbereitung</a:t>
                       </a:r>
                       <a:endParaRPr lang="de-DE" dirty="0"/>
@@ -3464,17 +3434,17 @@
                         <a:defRPr/>
                       </a:pPr>
                       <a:r>
-                        <a:rPr lang="de-DE" dirty="0" smtClean="0"/>
+                        <a:rPr lang="de-DE" dirty="0"/>
                         <a:t>Prüfungs</a:t>
                       </a:r>
                       <a:r>
-                        <a:rPr lang="de-DE" baseline="0" dirty="0" smtClean="0"/>
+                        <a:rPr lang="de-DE" baseline="0" dirty="0"/>
                         <a:t>vorbereitung</a:t>
                       </a:r>
-                      <a:endParaRPr lang="de-DE" dirty="0" smtClean="0"/>
-                    </a:p>
-                    <a:p>
-                      <a:endParaRPr lang="de-DE" dirty="0" smtClean="0"/>
+                      <a:endParaRPr lang="de-DE" dirty="0"/>
+                    </a:p>
+                    <a:p>
+                      <a:endParaRPr lang="de-DE" dirty="0"/>
                     </a:p>
                   </a:txBody>
                   <a:tcPr/>
@@ -3502,14 +3472,14 @@
                         <a:defRPr/>
                       </a:pPr>
                       <a:r>
-                        <a:rPr lang="de-DE" dirty="0" smtClean="0"/>
+                        <a:rPr lang="de-DE" dirty="0"/>
                         <a:t>Prüfungs</a:t>
                       </a:r>
                       <a:r>
-                        <a:rPr lang="de-DE" baseline="0" dirty="0" smtClean="0"/>
+                        <a:rPr lang="de-DE" baseline="0" dirty="0"/>
                         <a:t>vorbereitung</a:t>
                       </a:r>
-                      <a:endParaRPr lang="de-DE" dirty="0" smtClean="0"/>
+                      <a:endParaRPr lang="de-DE" dirty="0"/>
                     </a:p>
                     <a:p>
                       <a:endParaRPr lang="de-DE" dirty="0"/>
@@ -3519,7 +3489,7 @@
                 </a:tc>
                 <a:extLst>
                   <a:ext uri="{0D108BD9-81ED-4DB2-BD59-A6C34878D82A}">
-                    <a16:rowId xmlns="" xmlns:a16="http://schemas.microsoft.com/office/drawing/2014/main" val="10002"/>
+                    <a16:rowId xmlns:a16="http://schemas.microsoft.com/office/drawing/2014/main" val="10002"/>
                   </a:ext>
                 </a:extLst>
               </a:tr>
@@ -3530,10 +3500,9 @@
                     <a:lstStyle/>
                     <a:p>
                       <a:r>
-                        <a:rPr lang="de-DE" dirty="0" smtClean="0"/>
+                        <a:rPr lang="de-DE" dirty="0"/>
                         <a:t>KW 28</a:t>
                       </a:r>
-                      <a:endParaRPr lang="de-DE" dirty="0"/>
                     </a:p>
                   </a:txBody>
                   <a:tcPr/>
@@ -3561,14 +3530,14 @@
                         <a:defRPr/>
                       </a:pPr>
                       <a:r>
-                        <a:rPr lang="de-DE" dirty="0" smtClean="0"/>
+                        <a:rPr lang="de-DE" dirty="0"/>
                         <a:t>Prüfungs</a:t>
                       </a:r>
                       <a:r>
-                        <a:rPr lang="de-DE" baseline="0" dirty="0" smtClean="0"/>
+                        <a:rPr lang="de-DE" baseline="0" dirty="0"/>
                         <a:t>vorbereitung</a:t>
                       </a:r>
-                      <a:endParaRPr lang="de-DE" dirty="0" smtClean="0"/>
+                      <a:endParaRPr lang="de-DE" dirty="0"/>
                     </a:p>
                     <a:p>
                       <a:endParaRPr lang="de-DE" dirty="0"/>
@@ -3599,14 +3568,14 @@
                         <a:defRPr/>
                       </a:pPr>
                       <a:r>
-                        <a:rPr lang="de-DE" dirty="0" smtClean="0"/>
+                        <a:rPr lang="de-DE" dirty="0"/>
                         <a:t>Prüfungs</a:t>
                       </a:r>
                       <a:r>
-                        <a:rPr lang="de-DE" baseline="0" dirty="0" smtClean="0"/>
+                        <a:rPr lang="de-DE" baseline="0" dirty="0"/>
                         <a:t>vorbereitung</a:t>
                       </a:r>
-                      <a:endParaRPr lang="de-DE" dirty="0" smtClean="0"/>
+                      <a:endParaRPr lang="de-DE" dirty="0"/>
                     </a:p>
                     <a:p>
                       <a:endParaRPr lang="de-DE" dirty="0"/>
@@ -3637,14 +3606,14 @@
                         <a:defRPr/>
                       </a:pPr>
                       <a:r>
-                        <a:rPr lang="de-DE" dirty="0" smtClean="0"/>
+                        <a:rPr lang="de-DE" dirty="0"/>
                         <a:t>Prüfungs</a:t>
                       </a:r>
                       <a:r>
-                        <a:rPr lang="de-DE" baseline="0" dirty="0" smtClean="0"/>
+                        <a:rPr lang="de-DE" baseline="0" dirty="0"/>
                         <a:t>vorbereitung</a:t>
                       </a:r>
-                      <a:endParaRPr lang="de-DE" dirty="0" smtClean="0"/>
+                      <a:endParaRPr lang="de-DE" dirty="0"/>
                     </a:p>
                     <a:p>
                       <a:endParaRPr lang="de-DE" dirty="0"/>
@@ -3654,7 +3623,7 @@
                 </a:tc>
                 <a:extLst>
                   <a:ext uri="{0D108BD9-81ED-4DB2-BD59-A6C34878D82A}">
-                    <a16:rowId xmlns="" xmlns:a16="http://schemas.microsoft.com/office/drawing/2014/main" val="10003"/>
+                    <a16:rowId xmlns:a16="http://schemas.microsoft.com/office/drawing/2014/main" val="10003"/>
                   </a:ext>
                 </a:extLst>
               </a:tr>
@@ -3665,24 +3634,22 @@
                     <a:lstStyle/>
                     <a:p>
                       <a:r>
-                        <a:rPr lang="de-DE" dirty="0" smtClean="0"/>
+                        <a:rPr lang="de-DE" dirty="0"/>
                         <a:t>KW 29</a:t>
                       </a:r>
-                      <a:endParaRPr lang="de-DE" dirty="0"/>
-                    </a:p>
-                  </a:txBody>
-                  <a:tcPr/>
-                </a:tc>
-                <a:tc>
-                  <a:txBody>
-                    <a:bodyPr/>
-                    <a:lstStyle/>
-                    <a:p>
-                      <a:r>
-                        <a:rPr lang="de-DE" dirty="0" smtClean="0"/>
+                    </a:p>
+                  </a:txBody>
+                  <a:tcPr/>
+                </a:tc>
+                <a:tc>
+                  <a:txBody>
+                    <a:bodyPr/>
+                    <a:lstStyle/>
+                    <a:p>
+                      <a:r>
+                        <a:rPr lang="de-DE" dirty="0"/>
                         <a:t>Prüfungsphase</a:t>
                       </a:r>
-                      <a:endParaRPr lang="de-DE" dirty="0"/>
                     </a:p>
                   </a:txBody>
                   <a:tcPr/>
@@ -3710,7 +3677,7 @@
                         <a:defRPr/>
                       </a:pPr>
                       <a:r>
-                        <a:rPr lang="de-DE" dirty="0" smtClean="0"/>
+                        <a:rPr lang="de-DE" dirty="0"/>
                         <a:t>Prüfungsphase</a:t>
                       </a:r>
                     </a:p>
@@ -3743,7 +3710,7 @@
                         <a:defRPr/>
                       </a:pPr>
                       <a:r>
-                        <a:rPr lang="de-DE" dirty="0" smtClean="0"/>
+                        <a:rPr lang="de-DE" dirty="0"/>
                         <a:t>Prüfungsphase</a:t>
                       </a:r>
                     </a:p>
@@ -3755,7 +3722,7 @@
                 </a:tc>
                 <a:extLst>
                   <a:ext uri="{0D108BD9-81ED-4DB2-BD59-A6C34878D82A}">
-                    <a16:rowId xmlns="" xmlns:a16="http://schemas.microsoft.com/office/drawing/2014/main" val="10004"/>
+                    <a16:rowId xmlns:a16="http://schemas.microsoft.com/office/drawing/2014/main" val="10004"/>
                   </a:ext>
                 </a:extLst>
               </a:tr>
@@ -3766,10 +3733,9 @@
                     <a:lstStyle/>
                     <a:p>
                       <a:r>
-                        <a:rPr lang="de-DE" dirty="0" smtClean="0"/>
+                        <a:rPr lang="de-DE" dirty="0"/>
                         <a:t>KW 30</a:t>
                       </a:r>
-                      <a:endParaRPr lang="de-DE" dirty="0"/>
                     </a:p>
                   </a:txBody>
                   <a:tcPr/>
@@ -3797,7 +3763,7 @@
                         <a:defRPr/>
                       </a:pPr>
                       <a:r>
-                        <a:rPr lang="de-DE" dirty="0" smtClean="0"/>
+                        <a:rPr lang="de-DE" dirty="0"/>
                         <a:t>Prüfungsphase</a:t>
                       </a:r>
                     </a:p>
@@ -3830,7 +3796,7 @@
                         <a:defRPr/>
                       </a:pPr>
                       <a:r>
-                        <a:rPr lang="de-DE" dirty="0" smtClean="0"/>
+                        <a:rPr lang="de-DE" dirty="0"/>
                         <a:t>Prüfungsphase</a:t>
                       </a:r>
                     </a:p>
@@ -3863,7 +3829,7 @@
                         <a:defRPr/>
                       </a:pPr>
                       <a:r>
-                        <a:rPr lang="de-DE" dirty="0" smtClean="0"/>
+                        <a:rPr lang="de-DE" dirty="0"/>
                         <a:t>Prüfungsphase</a:t>
                       </a:r>
                     </a:p>
@@ -3875,7 +3841,7 @@
                 </a:tc>
                 <a:extLst>
                   <a:ext uri="{0D108BD9-81ED-4DB2-BD59-A6C34878D82A}">
-                    <a16:rowId xmlns="" xmlns:a16="http://schemas.microsoft.com/office/drawing/2014/main" val="10005"/>
+                    <a16:rowId xmlns:a16="http://schemas.microsoft.com/office/drawing/2014/main" val="10005"/>
                   </a:ext>
                 </a:extLst>
               </a:tr>
@@ -3886,11 +3852,11 @@
                     <a:lstStyle/>
                     <a:p>
                       <a:r>
-                        <a:rPr lang="de-DE" dirty="0" smtClean="0"/>
+                        <a:rPr lang="de-DE" dirty="0"/>
                         <a:t>KW</a:t>
                       </a:r>
                       <a:r>
-                        <a:rPr lang="de-DE" baseline="0" dirty="0" smtClean="0"/>
+                        <a:rPr lang="de-DE" baseline="0" dirty="0"/>
                         <a:t> 31</a:t>
                       </a:r>
                       <a:endParaRPr lang="de-DE" dirty="0"/>
@@ -3904,11 +3870,11 @@
                     <a:lstStyle/>
                     <a:p>
                       <a:r>
-                        <a:rPr lang="de-DE" dirty="0" smtClean="0"/>
+                        <a:rPr lang="de-DE" dirty="0"/>
                         <a:t>Player/Kamera</a:t>
                       </a:r>
                       <a:r>
-                        <a:rPr lang="de-DE" baseline="0" dirty="0" smtClean="0"/>
+                        <a:rPr lang="de-DE" baseline="0" dirty="0"/>
                         <a:t> Movement</a:t>
                       </a:r>
                       <a:endParaRPr lang="de-DE" dirty="0"/>
@@ -3922,11 +3888,11 @@
                     <a:lstStyle/>
                     <a:p>
                       <a:r>
-                        <a:rPr lang="de-DE" dirty="0" smtClean="0"/>
+                        <a:rPr lang="de-DE" dirty="0"/>
                         <a:t>Prozedurale</a:t>
                       </a:r>
                       <a:r>
-                        <a:rPr lang="de-DE" baseline="0" dirty="0" smtClean="0"/>
+                        <a:rPr lang="de-DE" baseline="0" dirty="0"/>
                         <a:t> Level Generierung</a:t>
                       </a:r>
                       <a:endParaRPr lang="de-DE" dirty="0"/>
@@ -3940,17 +3906,16 @@
                     <a:lstStyle/>
                     <a:p>
                       <a:r>
-                        <a:rPr lang="de-DE" dirty="0" smtClean="0"/>
+                        <a:rPr lang="de-DE" dirty="0"/>
                         <a:t>Urlaub</a:t>
                       </a:r>
-                      <a:endParaRPr lang="de-DE" dirty="0"/>
                     </a:p>
                   </a:txBody>
                   <a:tcPr/>
                 </a:tc>
                 <a:extLst>
                   <a:ext uri="{0D108BD9-81ED-4DB2-BD59-A6C34878D82A}">
-                    <a16:rowId xmlns="" xmlns:a16="http://schemas.microsoft.com/office/drawing/2014/main" val="10006"/>
+                    <a16:rowId xmlns:a16="http://schemas.microsoft.com/office/drawing/2014/main" val="10006"/>
                   </a:ext>
                 </a:extLst>
               </a:tr>
@@ -3968,13 +3933,6 @@
   <p:clrMapOvr>
     <a:masterClrMapping/>
   </p:clrMapOvr>
-  <p:timing>
-    <p:tnLst>
-      <p:par>
-        <p:cTn id="1" dur="indefinite" restart="never" nodeType="tmRoot"/>
-      </p:par>
-    </p:tnLst>
-  </p:timing>
 </p:sld>
 </file>
 
@@ -4011,10 +3969,9 @@
           <a:lstStyle/>
           <a:p>
             <a:r>
-              <a:rPr lang="de-DE" dirty="0" smtClean="0"/>
+              <a:rPr lang="de-DE" dirty="0"/>
               <a:t>Zeitplan nachher </a:t>
             </a:r>
-            <a:endParaRPr lang="de-DE" dirty="0"/>
           </a:p>
         </p:txBody>
       </p:sp>
@@ -4043,28 +4000,28 @@
                 <a:gridCol w="2628900">
                   <a:extLst>
                     <a:ext uri="{9D8B030D-6E8A-4147-A177-3AD203B41FA5}">
-                      <a16:colId xmlns="" xmlns:a16="http://schemas.microsoft.com/office/drawing/2014/main" val="20000"/>
+                      <a16:colId xmlns:a16="http://schemas.microsoft.com/office/drawing/2014/main" val="20000"/>
                     </a:ext>
                   </a:extLst>
                 </a:gridCol>
                 <a:gridCol w="2628900">
                   <a:extLst>
                     <a:ext uri="{9D8B030D-6E8A-4147-A177-3AD203B41FA5}">
-                      <a16:colId xmlns="" xmlns:a16="http://schemas.microsoft.com/office/drawing/2014/main" val="20001"/>
+                      <a16:colId xmlns:a16="http://schemas.microsoft.com/office/drawing/2014/main" val="20001"/>
                     </a:ext>
                   </a:extLst>
                 </a:gridCol>
                 <a:gridCol w="2628900">
                   <a:extLst>
                     <a:ext uri="{9D8B030D-6E8A-4147-A177-3AD203B41FA5}">
-                      <a16:colId xmlns="" xmlns:a16="http://schemas.microsoft.com/office/drawing/2014/main" val="20002"/>
+                      <a16:colId xmlns:a16="http://schemas.microsoft.com/office/drawing/2014/main" val="20002"/>
                     </a:ext>
                   </a:extLst>
                 </a:gridCol>
                 <a:gridCol w="2628900">
                   <a:extLst>
                     <a:ext uri="{9D8B030D-6E8A-4147-A177-3AD203B41FA5}">
-                      <a16:colId xmlns="" xmlns:a16="http://schemas.microsoft.com/office/drawing/2014/main" val="20003"/>
+                      <a16:colId xmlns:a16="http://schemas.microsoft.com/office/drawing/2014/main" val="20003"/>
                     </a:ext>
                   </a:extLst>
                 </a:gridCol>
@@ -4076,59 +4033,55 @@
                     <a:lstStyle/>
                     <a:p>
                       <a:r>
-                        <a:rPr lang="de-DE" dirty="0" smtClean="0"/>
+                        <a:rPr lang="de-DE" dirty="0"/>
                         <a:t>Woche</a:t>
                       </a:r>
-                      <a:endParaRPr lang="de-DE" dirty="0"/>
-                    </a:p>
-                  </a:txBody>
-                  <a:tcPr/>
-                </a:tc>
-                <a:tc>
-                  <a:txBody>
-                    <a:bodyPr/>
-                    <a:lstStyle/>
-                    <a:p>
-                      <a:r>
-                        <a:rPr lang="de-DE" dirty="0" smtClean="0"/>
+                    </a:p>
+                  </a:txBody>
+                  <a:tcPr/>
+                </a:tc>
+                <a:tc>
+                  <a:txBody>
+                    <a:bodyPr/>
+                    <a:lstStyle/>
+                    <a:p>
+                      <a:r>
+                        <a:rPr lang="de-DE" dirty="0"/>
                         <a:t>Niels</a:t>
                       </a:r>
-                      <a:endParaRPr lang="de-DE" dirty="0"/>
-                    </a:p>
-                  </a:txBody>
-                  <a:tcPr/>
-                </a:tc>
-                <a:tc>
-                  <a:txBody>
-                    <a:bodyPr/>
-                    <a:lstStyle/>
-                    <a:p>
-                      <a:r>
-                        <a:rPr lang="de-DE" dirty="0" smtClean="0"/>
+                    </a:p>
+                  </a:txBody>
+                  <a:tcPr/>
+                </a:tc>
+                <a:tc>
+                  <a:txBody>
+                    <a:bodyPr/>
+                    <a:lstStyle/>
+                    <a:p>
+                      <a:r>
+                        <a:rPr lang="de-DE" dirty="0"/>
                         <a:t>Robert</a:t>
                       </a:r>
-                      <a:endParaRPr lang="de-DE" dirty="0"/>
-                    </a:p>
-                  </a:txBody>
-                  <a:tcPr/>
-                </a:tc>
-                <a:tc>
-                  <a:txBody>
-                    <a:bodyPr/>
-                    <a:lstStyle/>
-                    <a:p>
-                      <a:r>
-                        <a:rPr lang="de-DE" dirty="0" smtClean="0"/>
+                    </a:p>
+                  </a:txBody>
+                  <a:tcPr/>
+                </a:tc>
+                <a:tc>
+                  <a:txBody>
+                    <a:bodyPr/>
+                    <a:lstStyle/>
+                    <a:p>
+                      <a:r>
+                        <a:rPr lang="de-DE" dirty="0"/>
                         <a:t>Daniel</a:t>
                       </a:r>
-                      <a:endParaRPr lang="de-DE" dirty="0"/>
                     </a:p>
                   </a:txBody>
                   <a:tcPr/>
                 </a:tc>
                 <a:extLst>
                   <a:ext uri="{0D108BD9-81ED-4DB2-BD59-A6C34878D82A}">
-                    <a16:rowId xmlns="" xmlns:a16="http://schemas.microsoft.com/office/drawing/2014/main" val="10000"/>
+                    <a16:rowId xmlns:a16="http://schemas.microsoft.com/office/drawing/2014/main" val="10000"/>
                   </a:ext>
                 </a:extLst>
               </a:tr>
@@ -4139,25 +4092,24 @@
                     <a:lstStyle/>
                     <a:p>
                       <a:r>
-                        <a:rPr lang="de-DE" dirty="0" smtClean="0"/>
+                        <a:rPr lang="de-DE" dirty="0"/>
                         <a:t>KW 26</a:t>
                       </a:r>
-                      <a:endParaRPr lang="de-DE" dirty="0"/>
-                    </a:p>
-                  </a:txBody>
-                  <a:tcPr/>
-                </a:tc>
-                <a:tc>
-                  <a:txBody>
-                    <a:bodyPr/>
-                    <a:lstStyle/>
-                    <a:p>
-                      <a:r>
-                        <a:rPr lang="de-DE" dirty="0" smtClean="0"/>
+                    </a:p>
+                  </a:txBody>
+                  <a:tcPr/>
+                </a:tc>
+                <a:tc>
+                  <a:txBody>
+                    <a:bodyPr/>
+                    <a:lstStyle/>
+                    <a:p>
+                      <a:r>
+                        <a:rPr lang="de-DE" dirty="0"/>
                         <a:t>Finale</a:t>
                       </a:r>
                       <a:r>
-                        <a:rPr lang="de-DE" baseline="0" dirty="0" smtClean="0"/>
+                        <a:rPr lang="de-DE" baseline="0" dirty="0"/>
                         <a:t> Planung</a:t>
                       </a:r>
                     </a:p>
@@ -4190,14 +4142,14 @@
                         <a:defRPr/>
                       </a:pPr>
                       <a:r>
-                        <a:rPr lang="de-DE" dirty="0" smtClean="0"/>
+                        <a:rPr lang="de-DE" dirty="0"/>
                         <a:t>Finale</a:t>
                       </a:r>
                       <a:r>
-                        <a:rPr lang="de-DE" baseline="0" dirty="0" smtClean="0"/>
+                        <a:rPr lang="de-DE" baseline="0" dirty="0"/>
                         <a:t> Planung</a:t>
                       </a:r>
-                      <a:endParaRPr lang="de-DE" dirty="0" smtClean="0"/>
+                      <a:endParaRPr lang="de-DE" dirty="0"/>
                     </a:p>
                     <a:p>
                       <a:endParaRPr lang="de-DE" dirty="0"/>
@@ -4228,14 +4180,14 @@
                         <a:defRPr/>
                       </a:pPr>
                       <a:r>
-                        <a:rPr lang="de-DE" dirty="0" smtClean="0"/>
+                        <a:rPr lang="de-DE" dirty="0"/>
                         <a:t>Finale</a:t>
                       </a:r>
                       <a:r>
-                        <a:rPr lang="de-DE" baseline="0" dirty="0" smtClean="0"/>
+                        <a:rPr lang="de-DE" baseline="0" dirty="0"/>
                         <a:t> Planung</a:t>
                       </a:r>
-                      <a:endParaRPr lang="de-DE" dirty="0" smtClean="0"/>
+                      <a:endParaRPr lang="de-DE" dirty="0"/>
                     </a:p>
                     <a:p>
                       <a:endParaRPr lang="de-DE" dirty="0"/>
@@ -4245,7 +4197,7 @@
                 </a:tc>
                 <a:extLst>
                   <a:ext uri="{0D108BD9-81ED-4DB2-BD59-A6C34878D82A}">
-                    <a16:rowId xmlns="" xmlns:a16="http://schemas.microsoft.com/office/drawing/2014/main" val="10001"/>
+                    <a16:rowId xmlns:a16="http://schemas.microsoft.com/office/drawing/2014/main" val="10001"/>
                   </a:ext>
                 </a:extLst>
               </a:tr>
@@ -4256,25 +4208,24 @@
                     <a:lstStyle/>
                     <a:p>
                       <a:r>
-                        <a:rPr lang="de-DE" dirty="0" smtClean="0"/>
+                        <a:rPr lang="de-DE" dirty="0"/>
                         <a:t>KW 27</a:t>
                       </a:r>
-                      <a:endParaRPr lang="de-DE" dirty="0"/>
-                    </a:p>
-                  </a:txBody>
-                  <a:tcPr/>
-                </a:tc>
-                <a:tc>
-                  <a:txBody>
-                    <a:bodyPr/>
-                    <a:lstStyle/>
-                    <a:p>
-                      <a:r>
-                        <a:rPr lang="de-DE" dirty="0" smtClean="0"/>
+                    </a:p>
+                  </a:txBody>
+                  <a:tcPr/>
+                </a:tc>
+                <a:tc>
+                  <a:txBody>
+                    <a:bodyPr/>
+                    <a:lstStyle/>
+                    <a:p>
+                      <a:r>
+                        <a:rPr lang="de-DE" dirty="0"/>
                         <a:t>Prüfungs</a:t>
                       </a:r>
                       <a:r>
-                        <a:rPr lang="de-DE" baseline="0" dirty="0" smtClean="0"/>
+                        <a:rPr lang="de-DE" baseline="0" dirty="0"/>
                         <a:t>vorbereitung</a:t>
                       </a:r>
                       <a:endParaRPr lang="de-DE" dirty="0"/>
@@ -4305,17 +4256,17 @@
                         <a:defRPr/>
                       </a:pPr>
                       <a:r>
-                        <a:rPr lang="de-DE" dirty="0" smtClean="0"/>
+                        <a:rPr lang="de-DE" dirty="0"/>
                         <a:t>Prüfungs</a:t>
                       </a:r>
                       <a:r>
-                        <a:rPr lang="de-DE" baseline="0" dirty="0" smtClean="0"/>
+                        <a:rPr lang="de-DE" baseline="0" dirty="0"/>
                         <a:t>vorbereitung</a:t>
                       </a:r>
-                      <a:endParaRPr lang="de-DE" dirty="0" smtClean="0"/>
-                    </a:p>
-                    <a:p>
-                      <a:endParaRPr lang="de-DE" dirty="0" smtClean="0"/>
+                      <a:endParaRPr lang="de-DE" dirty="0"/>
+                    </a:p>
+                    <a:p>
+                      <a:endParaRPr lang="de-DE" dirty="0"/>
                     </a:p>
                   </a:txBody>
                   <a:tcPr/>
@@ -4343,14 +4294,14 @@
                         <a:defRPr/>
                       </a:pPr>
                       <a:r>
-                        <a:rPr lang="de-DE" dirty="0" smtClean="0"/>
+                        <a:rPr lang="de-DE" dirty="0"/>
                         <a:t>Prüfungs</a:t>
                       </a:r>
                       <a:r>
-                        <a:rPr lang="de-DE" baseline="0" dirty="0" smtClean="0"/>
+                        <a:rPr lang="de-DE" baseline="0" dirty="0"/>
                         <a:t>vorbereitung</a:t>
                       </a:r>
-                      <a:endParaRPr lang="de-DE" dirty="0" smtClean="0"/>
+                      <a:endParaRPr lang="de-DE" dirty="0"/>
                     </a:p>
                     <a:p>
                       <a:endParaRPr lang="de-DE" dirty="0"/>
@@ -4360,7 +4311,7 @@
                 </a:tc>
                 <a:extLst>
                   <a:ext uri="{0D108BD9-81ED-4DB2-BD59-A6C34878D82A}">
-                    <a16:rowId xmlns="" xmlns:a16="http://schemas.microsoft.com/office/drawing/2014/main" val="10002"/>
+                    <a16:rowId xmlns:a16="http://schemas.microsoft.com/office/drawing/2014/main" val="10002"/>
                   </a:ext>
                 </a:extLst>
               </a:tr>
@@ -4371,10 +4322,9 @@
                     <a:lstStyle/>
                     <a:p>
                       <a:r>
-                        <a:rPr lang="de-DE" dirty="0" smtClean="0"/>
+                        <a:rPr lang="de-DE" dirty="0"/>
                         <a:t>KW 28</a:t>
                       </a:r>
-                      <a:endParaRPr lang="de-DE" dirty="0"/>
                     </a:p>
                   </a:txBody>
                   <a:tcPr/>
@@ -4402,14 +4352,14 @@
                         <a:defRPr/>
                       </a:pPr>
                       <a:r>
-                        <a:rPr lang="de-DE" dirty="0" smtClean="0"/>
+                        <a:rPr lang="de-DE" dirty="0"/>
                         <a:t>Prüfungs</a:t>
                       </a:r>
                       <a:r>
-                        <a:rPr lang="de-DE" baseline="0" dirty="0" smtClean="0"/>
+                        <a:rPr lang="de-DE" baseline="0" dirty="0"/>
                         <a:t>vorbereitung</a:t>
                       </a:r>
-                      <a:endParaRPr lang="de-DE" dirty="0" smtClean="0"/>
+                      <a:endParaRPr lang="de-DE" dirty="0"/>
                     </a:p>
                     <a:p>
                       <a:endParaRPr lang="de-DE" dirty="0"/>
@@ -4440,14 +4390,14 @@
                         <a:defRPr/>
                       </a:pPr>
                       <a:r>
-                        <a:rPr lang="de-DE" dirty="0" smtClean="0"/>
+                        <a:rPr lang="de-DE" dirty="0"/>
                         <a:t>Prüfungs</a:t>
                       </a:r>
                       <a:r>
-                        <a:rPr lang="de-DE" baseline="0" dirty="0" smtClean="0"/>
+                        <a:rPr lang="de-DE" baseline="0" dirty="0"/>
                         <a:t>vorbereitung</a:t>
                       </a:r>
-                      <a:endParaRPr lang="de-DE" dirty="0" smtClean="0"/>
+                      <a:endParaRPr lang="de-DE" dirty="0"/>
                     </a:p>
                     <a:p>
                       <a:endParaRPr lang="de-DE" dirty="0"/>
@@ -4478,14 +4428,14 @@
                         <a:defRPr/>
                       </a:pPr>
                       <a:r>
-                        <a:rPr lang="de-DE" dirty="0" smtClean="0"/>
+                        <a:rPr lang="de-DE" dirty="0"/>
                         <a:t>Prüfungs</a:t>
                       </a:r>
                       <a:r>
-                        <a:rPr lang="de-DE" baseline="0" dirty="0" smtClean="0"/>
+                        <a:rPr lang="de-DE" baseline="0" dirty="0"/>
                         <a:t>vorbereitung</a:t>
                       </a:r>
-                      <a:endParaRPr lang="de-DE" dirty="0" smtClean="0"/>
+                      <a:endParaRPr lang="de-DE" dirty="0"/>
                     </a:p>
                     <a:p>
                       <a:endParaRPr lang="de-DE" dirty="0"/>
@@ -4495,7 +4445,7 @@
                 </a:tc>
                 <a:extLst>
                   <a:ext uri="{0D108BD9-81ED-4DB2-BD59-A6C34878D82A}">
-                    <a16:rowId xmlns="" xmlns:a16="http://schemas.microsoft.com/office/drawing/2014/main" val="10003"/>
+                    <a16:rowId xmlns:a16="http://schemas.microsoft.com/office/drawing/2014/main" val="10003"/>
                   </a:ext>
                 </a:extLst>
               </a:tr>
@@ -4506,24 +4456,22 @@
                     <a:lstStyle/>
                     <a:p>
                       <a:r>
-                        <a:rPr lang="de-DE" dirty="0" smtClean="0"/>
+                        <a:rPr lang="de-DE" dirty="0"/>
                         <a:t>KW 29</a:t>
                       </a:r>
-                      <a:endParaRPr lang="de-DE" dirty="0"/>
-                    </a:p>
-                  </a:txBody>
-                  <a:tcPr/>
-                </a:tc>
-                <a:tc>
-                  <a:txBody>
-                    <a:bodyPr/>
-                    <a:lstStyle/>
-                    <a:p>
-                      <a:r>
-                        <a:rPr lang="de-DE" dirty="0" smtClean="0"/>
+                    </a:p>
+                  </a:txBody>
+                  <a:tcPr/>
+                </a:tc>
+                <a:tc>
+                  <a:txBody>
+                    <a:bodyPr/>
+                    <a:lstStyle/>
+                    <a:p>
+                      <a:r>
+                        <a:rPr lang="de-DE" dirty="0"/>
                         <a:t>Prüfungsphase</a:t>
                       </a:r>
-                      <a:endParaRPr lang="de-DE" dirty="0"/>
                     </a:p>
                   </a:txBody>
                   <a:tcPr/>
@@ -4551,7 +4499,7 @@
                         <a:defRPr/>
                       </a:pPr>
                       <a:r>
-                        <a:rPr lang="de-DE" dirty="0" smtClean="0"/>
+                        <a:rPr lang="de-DE" dirty="0"/>
                         <a:t>Prüfungsphase</a:t>
                       </a:r>
                     </a:p>
@@ -4584,7 +4532,7 @@
                         <a:defRPr/>
                       </a:pPr>
                       <a:r>
-                        <a:rPr lang="de-DE" dirty="0" smtClean="0"/>
+                        <a:rPr lang="de-DE" dirty="0"/>
                         <a:t>Prüfungsphase</a:t>
                       </a:r>
                     </a:p>
@@ -4596,7 +4544,7 @@
                 </a:tc>
                 <a:extLst>
                   <a:ext uri="{0D108BD9-81ED-4DB2-BD59-A6C34878D82A}">
-                    <a16:rowId xmlns="" xmlns:a16="http://schemas.microsoft.com/office/drawing/2014/main" val="10004"/>
+                    <a16:rowId xmlns:a16="http://schemas.microsoft.com/office/drawing/2014/main" val="10004"/>
                   </a:ext>
                 </a:extLst>
               </a:tr>
@@ -4607,10 +4555,9 @@
                     <a:lstStyle/>
                     <a:p>
                       <a:r>
-                        <a:rPr lang="de-DE" dirty="0" smtClean="0"/>
+                        <a:rPr lang="de-DE" dirty="0"/>
                         <a:t>KW 30</a:t>
                       </a:r>
-                      <a:endParaRPr lang="de-DE" dirty="0"/>
                     </a:p>
                   </a:txBody>
                   <a:tcPr/>
@@ -4638,7 +4585,7 @@
                         <a:defRPr/>
                       </a:pPr>
                       <a:r>
-                        <a:rPr lang="de-DE" dirty="0" smtClean="0"/>
+                        <a:rPr lang="de-DE" dirty="0"/>
                         <a:t>Prüfungsphase</a:t>
                       </a:r>
                     </a:p>
@@ -4671,7 +4618,7 @@
                         <a:defRPr/>
                       </a:pPr>
                       <a:r>
-                        <a:rPr lang="de-DE" dirty="0" smtClean="0"/>
+                        <a:rPr lang="de-DE" dirty="0"/>
                         <a:t>Prüfungsphase</a:t>
                       </a:r>
                     </a:p>
@@ -4704,7 +4651,7 @@
                         <a:defRPr/>
                       </a:pPr>
                       <a:r>
-                        <a:rPr lang="de-DE" dirty="0" smtClean="0"/>
+                        <a:rPr lang="de-DE" dirty="0"/>
                         <a:t>Prüfungsphase</a:t>
                       </a:r>
                     </a:p>
@@ -4716,7 +4663,7 @@
                 </a:tc>
                 <a:extLst>
                   <a:ext uri="{0D108BD9-81ED-4DB2-BD59-A6C34878D82A}">
-                    <a16:rowId xmlns="" xmlns:a16="http://schemas.microsoft.com/office/drawing/2014/main" val="10005"/>
+                    <a16:rowId xmlns:a16="http://schemas.microsoft.com/office/drawing/2014/main" val="10005"/>
                   </a:ext>
                 </a:extLst>
               </a:tr>
@@ -4727,11 +4674,11 @@
                     <a:lstStyle/>
                     <a:p>
                       <a:r>
-                        <a:rPr lang="de-DE" dirty="0" smtClean="0"/>
+                        <a:rPr lang="de-DE" dirty="0"/>
                         <a:t>KW</a:t>
                       </a:r>
                       <a:r>
-                        <a:rPr lang="de-DE" baseline="0" dirty="0" smtClean="0"/>
+                        <a:rPr lang="de-DE" baseline="0" dirty="0"/>
                         <a:t> 31</a:t>
                       </a:r>
                       <a:endParaRPr lang="de-DE" dirty="0"/>
@@ -4745,11 +4692,11 @@
                     <a:lstStyle/>
                     <a:p>
                       <a:r>
-                        <a:rPr lang="de-DE" dirty="0" smtClean="0"/>
+                        <a:rPr lang="de-DE" dirty="0"/>
                         <a:t>Player/Kamera</a:t>
                       </a:r>
                       <a:r>
-                        <a:rPr lang="de-DE" baseline="0" dirty="0" smtClean="0"/>
+                        <a:rPr lang="de-DE" baseline="0" dirty="0"/>
                         <a:t> Movement</a:t>
                       </a:r>
                       <a:endParaRPr lang="de-DE" dirty="0"/>
@@ -4779,7 +4726,7 @@
                 </a:tc>
                 <a:extLst>
                   <a:ext uri="{0D108BD9-81ED-4DB2-BD59-A6C34878D82A}">
-                    <a16:rowId xmlns="" xmlns:a16="http://schemas.microsoft.com/office/drawing/2014/main" val="10006"/>
+                    <a16:rowId xmlns:a16="http://schemas.microsoft.com/office/drawing/2014/main" val="10006"/>
                   </a:ext>
                 </a:extLst>
               </a:tr>
@@ -4797,13 +4744,6 @@
   <p:clrMapOvr>
     <a:masterClrMapping/>
   </p:clrMapOvr>
-  <p:timing>
-    <p:tnLst>
-      <p:par>
-        <p:cTn id="1" dur="indefinite" restart="never" nodeType="tmRoot"/>
-      </p:par>
-    </p:tnLst>
-  </p:timing>
 </p:sld>
 </file>
 
@@ -4840,10 +4780,9 @@
           <a:lstStyle/>
           <a:p>
             <a:r>
-              <a:rPr lang="de-DE" dirty="0" smtClean="0"/>
+              <a:rPr lang="de-DE" dirty="0"/>
               <a:t>Zeitplan vorher</a:t>
             </a:r>
-            <a:endParaRPr lang="de-DE" dirty="0"/>
           </a:p>
         </p:txBody>
       </p:sp>
@@ -4872,28 +4811,28 @@
                 <a:gridCol w="2628900">
                   <a:extLst>
                     <a:ext uri="{9D8B030D-6E8A-4147-A177-3AD203B41FA5}">
-                      <a16:colId xmlns="" xmlns:a16="http://schemas.microsoft.com/office/drawing/2014/main" val="20000"/>
+                      <a16:colId xmlns:a16="http://schemas.microsoft.com/office/drawing/2014/main" val="20000"/>
                     </a:ext>
                   </a:extLst>
                 </a:gridCol>
                 <a:gridCol w="2628900">
                   <a:extLst>
                     <a:ext uri="{9D8B030D-6E8A-4147-A177-3AD203B41FA5}">
-                      <a16:colId xmlns="" xmlns:a16="http://schemas.microsoft.com/office/drawing/2014/main" val="20001"/>
+                      <a16:colId xmlns:a16="http://schemas.microsoft.com/office/drawing/2014/main" val="20001"/>
                     </a:ext>
                   </a:extLst>
                 </a:gridCol>
                 <a:gridCol w="2628900">
                   <a:extLst>
                     <a:ext uri="{9D8B030D-6E8A-4147-A177-3AD203B41FA5}">
-                      <a16:colId xmlns="" xmlns:a16="http://schemas.microsoft.com/office/drawing/2014/main" val="20002"/>
+                      <a16:colId xmlns:a16="http://schemas.microsoft.com/office/drawing/2014/main" val="20002"/>
                     </a:ext>
                   </a:extLst>
                 </a:gridCol>
                 <a:gridCol w="2628900">
                   <a:extLst>
                     <a:ext uri="{9D8B030D-6E8A-4147-A177-3AD203B41FA5}">
-                      <a16:colId xmlns="" xmlns:a16="http://schemas.microsoft.com/office/drawing/2014/main" val="20003"/>
+                      <a16:colId xmlns:a16="http://schemas.microsoft.com/office/drawing/2014/main" val="20003"/>
                     </a:ext>
                   </a:extLst>
                 </a:gridCol>
@@ -4905,59 +4844,55 @@
                     <a:lstStyle/>
                     <a:p>
                       <a:r>
-                        <a:rPr lang="de-DE" dirty="0" smtClean="0"/>
+                        <a:rPr lang="de-DE" dirty="0"/>
                         <a:t>Woche</a:t>
                       </a:r>
-                      <a:endParaRPr lang="de-DE" dirty="0"/>
-                    </a:p>
-                  </a:txBody>
-                  <a:tcPr/>
-                </a:tc>
-                <a:tc>
-                  <a:txBody>
-                    <a:bodyPr/>
-                    <a:lstStyle/>
-                    <a:p>
-                      <a:r>
-                        <a:rPr lang="de-DE" dirty="0" smtClean="0"/>
+                    </a:p>
+                  </a:txBody>
+                  <a:tcPr/>
+                </a:tc>
+                <a:tc>
+                  <a:txBody>
+                    <a:bodyPr/>
+                    <a:lstStyle/>
+                    <a:p>
+                      <a:r>
+                        <a:rPr lang="de-DE" dirty="0"/>
                         <a:t>Niels</a:t>
                       </a:r>
-                      <a:endParaRPr lang="de-DE" dirty="0"/>
-                    </a:p>
-                  </a:txBody>
-                  <a:tcPr/>
-                </a:tc>
-                <a:tc>
-                  <a:txBody>
-                    <a:bodyPr/>
-                    <a:lstStyle/>
-                    <a:p>
-                      <a:r>
-                        <a:rPr lang="de-DE" dirty="0" smtClean="0"/>
+                    </a:p>
+                  </a:txBody>
+                  <a:tcPr/>
+                </a:tc>
+                <a:tc>
+                  <a:txBody>
+                    <a:bodyPr/>
+                    <a:lstStyle/>
+                    <a:p>
+                      <a:r>
+                        <a:rPr lang="de-DE" dirty="0"/>
                         <a:t>Robert</a:t>
                       </a:r>
-                      <a:endParaRPr lang="de-DE" dirty="0"/>
-                    </a:p>
-                  </a:txBody>
-                  <a:tcPr/>
-                </a:tc>
-                <a:tc>
-                  <a:txBody>
-                    <a:bodyPr/>
-                    <a:lstStyle/>
-                    <a:p>
-                      <a:r>
-                        <a:rPr lang="de-DE" dirty="0" smtClean="0"/>
+                    </a:p>
+                  </a:txBody>
+                  <a:tcPr/>
+                </a:tc>
+                <a:tc>
+                  <a:txBody>
+                    <a:bodyPr/>
+                    <a:lstStyle/>
+                    <a:p>
+                      <a:r>
+                        <a:rPr lang="de-DE" dirty="0"/>
                         <a:t>Daniel</a:t>
                       </a:r>
-                      <a:endParaRPr lang="de-DE" dirty="0"/>
                     </a:p>
                   </a:txBody>
                   <a:tcPr/>
                 </a:tc>
                 <a:extLst>
                   <a:ext uri="{0D108BD9-81ED-4DB2-BD59-A6C34878D82A}">
-                    <a16:rowId xmlns="" xmlns:a16="http://schemas.microsoft.com/office/drawing/2014/main" val="10000"/>
+                    <a16:rowId xmlns:a16="http://schemas.microsoft.com/office/drawing/2014/main" val="10000"/>
                   </a:ext>
                 </a:extLst>
               </a:tr>
@@ -4968,24 +4903,22 @@
                     <a:lstStyle/>
                     <a:p>
                       <a:r>
-                        <a:rPr lang="de-DE" dirty="0" smtClean="0"/>
+                        <a:rPr lang="de-DE" dirty="0"/>
                         <a:t>KW 32</a:t>
                       </a:r>
-                      <a:endParaRPr lang="de-DE" dirty="0"/>
-                    </a:p>
-                  </a:txBody>
-                  <a:tcPr/>
-                </a:tc>
-                <a:tc>
-                  <a:txBody>
-                    <a:bodyPr/>
-                    <a:lstStyle/>
-                    <a:p>
-                      <a:r>
-                        <a:rPr lang="de-DE" dirty="0" smtClean="0"/>
+                    </a:p>
+                  </a:txBody>
+                  <a:tcPr/>
+                </a:tc>
+                <a:tc>
+                  <a:txBody>
+                    <a:bodyPr/>
+                    <a:lstStyle/>
+                    <a:p>
+                      <a:r>
+                        <a:rPr lang="de-DE" dirty="0"/>
                         <a:t>KI</a:t>
                       </a:r>
-                      <a:endParaRPr lang="de-DE" dirty="0"/>
                     </a:p>
                   </a:txBody>
                   <a:tcPr/>
@@ -5013,25 +4946,25 @@
                         <a:defRPr/>
                       </a:pPr>
                       <a:r>
-                        <a:rPr lang="de-DE" dirty="0" smtClean="0"/>
+                        <a:rPr lang="de-DE" dirty="0"/>
                         <a:t>Prozedurale</a:t>
                       </a:r>
                       <a:r>
-                        <a:rPr lang="de-DE" baseline="0" dirty="0" smtClean="0"/>
+                        <a:rPr lang="de-DE" baseline="0" dirty="0"/>
                         <a:t> Level Generierung</a:t>
                       </a:r>
-                      <a:endParaRPr lang="de-DE" dirty="0" smtClean="0"/>
-                    </a:p>
-                  </a:txBody>
-                  <a:tcPr/>
-                </a:tc>
-                <a:tc>
-                  <a:txBody>
-                    <a:bodyPr/>
-                    <a:lstStyle/>
-                    <a:p>
-                      <a:r>
-                        <a:rPr lang="de-DE" baseline="0" dirty="0" smtClean="0"/>
+                      <a:endParaRPr lang="de-DE" dirty="0"/>
+                    </a:p>
+                  </a:txBody>
+                  <a:tcPr/>
+                </a:tc>
+                <a:tc>
+                  <a:txBody>
+                    <a:bodyPr/>
+                    <a:lstStyle/>
+                    <a:p>
+                      <a:r>
+                        <a:rPr lang="de-DE" baseline="0" dirty="0"/>
                         <a:t>KI</a:t>
                       </a:r>
                       <a:endParaRPr lang="de-DE" dirty="0"/>
@@ -5041,7 +4974,7 @@
                 </a:tc>
                 <a:extLst>
                   <a:ext uri="{0D108BD9-81ED-4DB2-BD59-A6C34878D82A}">
-                    <a16:rowId xmlns="" xmlns:a16="http://schemas.microsoft.com/office/drawing/2014/main" val="10001"/>
+                    <a16:rowId xmlns:a16="http://schemas.microsoft.com/office/drawing/2014/main" val="10001"/>
                   </a:ext>
                 </a:extLst>
               </a:tr>
@@ -5052,21 +4985,20 @@
                     <a:lstStyle/>
                     <a:p>
                       <a:r>
-                        <a:rPr lang="de-DE" dirty="0" smtClean="0"/>
+                        <a:rPr lang="de-DE" dirty="0"/>
                         <a:t>KW 33</a:t>
                       </a:r>
-                      <a:endParaRPr lang="de-DE" dirty="0"/>
-                    </a:p>
-                  </a:txBody>
-                  <a:tcPr/>
-                </a:tc>
-                <a:tc>
-                  <a:txBody>
-                    <a:bodyPr/>
-                    <a:lstStyle/>
-                    <a:p>
-                      <a:r>
-                        <a:rPr lang="de-DE" dirty="0" smtClean="0"/>
+                    </a:p>
+                  </a:txBody>
+                  <a:tcPr/>
+                </a:tc>
+                <a:tc>
+                  <a:txBody>
+                    <a:bodyPr/>
+                    <a:lstStyle/>
+                    <a:p>
+                      <a:r>
+                        <a:rPr lang="de-DE" dirty="0"/>
                         <a:t>Urlaub</a:t>
                       </a:r>
                     </a:p>
@@ -5079,10 +5011,9 @@
                     <a:lstStyle/>
                     <a:p>
                       <a:r>
-                        <a:rPr lang="de-DE" dirty="0" smtClean="0"/>
+                        <a:rPr lang="de-DE" dirty="0"/>
                         <a:t>Urlaub</a:t>
                       </a:r>
-                      <a:endParaRPr lang="de-DE" dirty="0"/>
                     </a:p>
                   </a:txBody>
                   <a:tcPr/>
@@ -5110,10 +5041,10 @@
                         <a:defRPr/>
                       </a:pPr>
                       <a:r>
-                        <a:rPr lang="de-DE" baseline="0" dirty="0" smtClean="0"/>
+                        <a:rPr lang="de-DE" baseline="0" dirty="0"/>
                         <a:t>KI</a:t>
                       </a:r>
-                      <a:endParaRPr lang="de-DE" dirty="0" smtClean="0"/>
+                      <a:endParaRPr lang="de-DE" dirty="0"/>
                     </a:p>
                     <a:p>
                       <a:endParaRPr lang="de-DE" dirty="0"/>
@@ -5123,7 +5054,7 @@
                 </a:tc>
                 <a:extLst>
                   <a:ext uri="{0D108BD9-81ED-4DB2-BD59-A6C34878D82A}">
-                    <a16:rowId xmlns="" xmlns:a16="http://schemas.microsoft.com/office/drawing/2014/main" val="10002"/>
+                    <a16:rowId xmlns:a16="http://schemas.microsoft.com/office/drawing/2014/main" val="10002"/>
                   </a:ext>
                 </a:extLst>
               </a:tr>
@@ -5134,24 +5065,22 @@
                     <a:lstStyle/>
                     <a:p>
                       <a:r>
-                        <a:rPr lang="de-DE" dirty="0" smtClean="0"/>
+                        <a:rPr lang="de-DE" dirty="0"/>
                         <a:t>KW 34</a:t>
                       </a:r>
-                      <a:endParaRPr lang="de-DE" dirty="0"/>
-                    </a:p>
-                  </a:txBody>
-                  <a:tcPr/>
-                </a:tc>
-                <a:tc>
-                  <a:txBody>
-                    <a:bodyPr/>
-                    <a:lstStyle/>
-                    <a:p>
-                      <a:r>
-                        <a:rPr lang="de-DE" dirty="0" smtClean="0"/>
+                    </a:p>
+                  </a:txBody>
+                  <a:tcPr/>
+                </a:tc>
+                <a:tc>
+                  <a:txBody>
+                    <a:bodyPr/>
+                    <a:lstStyle/>
+                    <a:p>
+                      <a:r>
+                        <a:rPr lang="de-DE" dirty="0"/>
                         <a:t>Tag Nacht Zyklus</a:t>
                       </a:r>
-                      <a:endParaRPr lang="de-DE" dirty="0"/>
                     </a:p>
                   </a:txBody>
                   <a:tcPr/>
@@ -5179,29 +5108,29 @@
                         <a:defRPr/>
                       </a:pPr>
                       <a:r>
-                        <a:rPr lang="de-DE" dirty="0" smtClean="0"/>
+                        <a:rPr lang="de-DE" dirty="0"/>
                         <a:t>Spieler/Gegner</a:t>
                       </a:r>
                       <a:r>
-                        <a:rPr lang="de-DE" baseline="0" dirty="0" smtClean="0"/>
+                        <a:rPr lang="de-DE" baseline="0" dirty="0"/>
                         <a:t> Attribute (HP/ATK)</a:t>
                       </a:r>
-                      <a:endParaRPr lang="de-DE" dirty="0" smtClean="0"/>
-                    </a:p>
-                  </a:txBody>
-                  <a:tcPr/>
-                </a:tc>
-                <a:tc>
-                  <a:txBody>
-                    <a:bodyPr/>
-                    <a:lstStyle/>
-                    <a:p>
-                      <a:r>
-                        <a:rPr lang="de-DE" dirty="0" smtClean="0"/>
+                      <a:endParaRPr lang="de-DE" dirty="0"/>
+                    </a:p>
+                  </a:txBody>
+                  <a:tcPr/>
+                </a:tc>
+                <a:tc>
+                  <a:txBody>
+                    <a:bodyPr/>
+                    <a:lstStyle/>
+                    <a:p>
+                      <a:r>
+                        <a:rPr lang="de-DE" dirty="0"/>
                         <a:t>Hindernisse</a:t>
                       </a:r>
                       <a:r>
-                        <a:rPr lang="de-DE" baseline="0" dirty="0" smtClean="0"/>
+                        <a:rPr lang="de-DE" baseline="0" dirty="0"/>
                         <a:t> (Fallen, Abgründe, etc.)</a:t>
                       </a:r>
                       <a:endParaRPr lang="de-DE" dirty="0"/>
@@ -5211,7 +5140,7 @@
                 </a:tc>
                 <a:extLst>
                   <a:ext uri="{0D108BD9-81ED-4DB2-BD59-A6C34878D82A}">
-                    <a16:rowId xmlns="" xmlns:a16="http://schemas.microsoft.com/office/drawing/2014/main" val="10003"/>
+                    <a16:rowId xmlns:a16="http://schemas.microsoft.com/office/drawing/2014/main" val="10003"/>
                   </a:ext>
                 </a:extLst>
               </a:tr>
@@ -5222,21 +5151,20 @@
                     <a:lstStyle/>
                     <a:p>
                       <a:r>
-                        <a:rPr lang="de-DE" dirty="0" smtClean="0"/>
+                        <a:rPr lang="de-DE" dirty="0"/>
                         <a:t>KW 35</a:t>
                       </a:r>
-                      <a:endParaRPr lang="de-DE" dirty="0"/>
-                    </a:p>
-                  </a:txBody>
-                  <a:tcPr/>
-                </a:tc>
-                <a:tc>
-                  <a:txBody>
-                    <a:bodyPr/>
-                    <a:lstStyle/>
-                    <a:p>
-                      <a:r>
-                        <a:rPr lang="de-DE" dirty="0" err="1" smtClean="0"/>
+                    </a:p>
+                  </a:txBody>
+                  <a:tcPr/>
+                </a:tc>
+                <a:tc>
+                  <a:txBody>
+                    <a:bodyPr/>
+                    <a:lstStyle/>
+                    <a:p>
+                      <a:r>
+                        <a:rPr lang="de-DE" dirty="0" err="1"/>
                         <a:t>Collision</a:t>
                       </a:r>
                       <a:endParaRPr lang="de-DE" dirty="0"/>
@@ -5250,10 +5178,9 @@
                     <a:lstStyle/>
                     <a:p>
                       <a:r>
-                        <a:rPr lang="de-DE" dirty="0" smtClean="0"/>
+                        <a:rPr lang="de-DE" dirty="0"/>
                         <a:t>Item Design</a:t>
                       </a:r>
-                      <a:endParaRPr lang="de-DE" dirty="0"/>
                     </a:p>
                   </a:txBody>
                   <a:tcPr/>
@@ -5281,21 +5208,21 @@
                         <a:defRPr/>
                       </a:pPr>
                       <a:r>
-                        <a:rPr lang="de-DE" dirty="0" smtClean="0"/>
+                        <a:rPr lang="de-DE" dirty="0"/>
                         <a:t>Hindernisse</a:t>
                       </a:r>
                       <a:r>
-                        <a:rPr lang="de-DE" baseline="0" dirty="0" smtClean="0"/>
+                        <a:rPr lang="de-DE" baseline="0" dirty="0"/>
                         <a:t> (Fallen, Abgründe, etc.)</a:t>
                       </a:r>
-                      <a:endParaRPr lang="de-DE" dirty="0" smtClean="0"/>
+                      <a:endParaRPr lang="de-DE" dirty="0"/>
                     </a:p>
                   </a:txBody>
                   <a:tcPr/>
                 </a:tc>
                 <a:extLst>
                   <a:ext uri="{0D108BD9-81ED-4DB2-BD59-A6C34878D82A}">
-                    <a16:rowId xmlns="" xmlns:a16="http://schemas.microsoft.com/office/drawing/2014/main" val="10004"/>
+                    <a16:rowId xmlns:a16="http://schemas.microsoft.com/office/drawing/2014/main" val="10004"/>
                   </a:ext>
                 </a:extLst>
               </a:tr>
@@ -5306,10 +5233,9 @@
                     <a:lstStyle/>
                     <a:p>
                       <a:r>
-                        <a:rPr lang="de-DE" dirty="0" smtClean="0"/>
+                        <a:rPr lang="de-DE" dirty="0"/>
                         <a:t>KW 36</a:t>
                       </a:r>
-                      <a:endParaRPr lang="de-DE" dirty="0"/>
                     </a:p>
                   </a:txBody>
                   <a:tcPr/>
@@ -5337,10 +5263,10 @@
                         <a:defRPr/>
                       </a:pPr>
                       <a:r>
-                        <a:rPr lang="de-DE" dirty="0" err="1" smtClean="0"/>
+                        <a:rPr lang="de-DE" dirty="0" err="1"/>
                         <a:t>Collision</a:t>
                       </a:r>
-                      <a:endParaRPr lang="de-DE" dirty="0" smtClean="0"/>
+                      <a:endParaRPr lang="de-DE" dirty="0"/>
                     </a:p>
                     <a:p>
                       <a:endParaRPr lang="de-DE" dirty="0"/>
@@ -5371,7 +5297,7 @@
                         <a:defRPr/>
                       </a:pPr>
                       <a:r>
-                        <a:rPr lang="de-DE" dirty="0" smtClean="0"/>
+                        <a:rPr lang="de-DE" dirty="0"/>
                         <a:t>Item Design</a:t>
                       </a:r>
                     </a:p>
@@ -5404,10 +5330,10 @@
                         <a:defRPr/>
                       </a:pPr>
                       <a:r>
-                        <a:rPr lang="de-DE" baseline="0" dirty="0" smtClean="0"/>
+                        <a:rPr lang="de-DE" baseline="0" dirty="0"/>
                         <a:t>Item Drops</a:t>
                       </a:r>
-                      <a:endParaRPr lang="de-DE" dirty="0" smtClean="0"/>
+                      <a:endParaRPr lang="de-DE" dirty="0"/>
                     </a:p>
                     <a:p>
                       <a:endParaRPr lang="de-DE" dirty="0"/>
@@ -5417,7 +5343,7 @@
                 </a:tc>
                 <a:extLst>
                   <a:ext uri="{0D108BD9-81ED-4DB2-BD59-A6C34878D82A}">
-                    <a16:rowId xmlns="" xmlns:a16="http://schemas.microsoft.com/office/drawing/2014/main" val="10005"/>
+                    <a16:rowId xmlns:a16="http://schemas.microsoft.com/office/drawing/2014/main" val="10005"/>
                   </a:ext>
                 </a:extLst>
               </a:tr>
@@ -5428,11 +5354,11 @@
                     <a:lstStyle/>
                     <a:p>
                       <a:r>
-                        <a:rPr lang="de-DE" dirty="0" smtClean="0"/>
+                        <a:rPr lang="de-DE" dirty="0"/>
                         <a:t>KW</a:t>
                       </a:r>
                       <a:r>
-                        <a:rPr lang="de-DE" baseline="0" dirty="0" smtClean="0"/>
+                        <a:rPr lang="de-DE" baseline="0" dirty="0"/>
                         <a:t> 37</a:t>
                       </a:r>
                       <a:endParaRPr lang="de-DE" dirty="0"/>
@@ -5446,28 +5372,26 @@
                     <a:lstStyle/>
                     <a:p>
                       <a:r>
-                        <a:rPr lang="de-DE" dirty="0" smtClean="0"/>
+                        <a:rPr lang="de-DE" dirty="0"/>
                         <a:t>Menü</a:t>
                       </a:r>
-                      <a:endParaRPr lang="de-DE" dirty="0"/>
-                    </a:p>
-                  </a:txBody>
-                  <a:tcPr/>
-                </a:tc>
-                <a:tc>
-                  <a:txBody>
-                    <a:bodyPr/>
-                    <a:lstStyle/>
-                    <a:p>
-                      <a:r>
-                        <a:rPr lang="de-DE" dirty="0" err="1" smtClean="0"/>
+                    </a:p>
+                  </a:txBody>
+                  <a:tcPr/>
+                </a:tc>
+                <a:tc>
+                  <a:txBody>
+                    <a:bodyPr/>
+                    <a:lstStyle/>
+                    <a:p>
+                      <a:r>
+                        <a:rPr lang="de-DE" dirty="0" err="1"/>
                         <a:t>Testing</a:t>
                       </a:r>
                       <a:r>
-                        <a:rPr lang="de-DE" dirty="0" smtClean="0"/>
+                        <a:rPr lang="de-DE" dirty="0"/>
                         <a:t>/Debugging</a:t>
                       </a:r>
-                      <a:endParaRPr lang="de-DE" dirty="0"/>
                     </a:p>
                   </a:txBody>
                   <a:tcPr/>
@@ -5495,17 +5419,17 @@
                         <a:defRPr/>
                       </a:pPr>
                       <a:r>
-                        <a:rPr lang="de-DE" baseline="0" dirty="0" smtClean="0"/>
+                        <a:rPr lang="de-DE" baseline="0" dirty="0"/>
                         <a:t>Item Drops</a:t>
                       </a:r>
-                      <a:endParaRPr lang="de-DE" dirty="0" smtClean="0"/>
+                      <a:endParaRPr lang="de-DE" dirty="0"/>
                     </a:p>
                   </a:txBody>
                   <a:tcPr/>
                 </a:tc>
                 <a:extLst>
                   <a:ext uri="{0D108BD9-81ED-4DB2-BD59-A6C34878D82A}">
-                    <a16:rowId xmlns="" xmlns:a16="http://schemas.microsoft.com/office/drawing/2014/main" val="10006"/>
+                    <a16:rowId xmlns:a16="http://schemas.microsoft.com/office/drawing/2014/main" val="10006"/>
                   </a:ext>
                 </a:extLst>
               </a:tr>
@@ -5516,43 +5440,41 @@
                     <a:lstStyle/>
                     <a:p>
                       <a:r>
-                        <a:rPr lang="de-DE" dirty="0" smtClean="0"/>
+                        <a:rPr lang="de-DE" dirty="0"/>
                         <a:t>KW 38</a:t>
                       </a:r>
-                      <a:endParaRPr lang="de-DE" dirty="0"/>
-                    </a:p>
-                  </a:txBody>
-                  <a:tcPr/>
-                </a:tc>
-                <a:tc>
-                  <a:txBody>
-                    <a:bodyPr/>
-                    <a:lstStyle/>
-                    <a:p>
-                      <a:r>
-                        <a:rPr lang="de-DE" dirty="0" err="1" smtClean="0"/>
+                    </a:p>
+                  </a:txBody>
+                  <a:tcPr/>
+                </a:tc>
+                <a:tc>
+                  <a:txBody>
+                    <a:bodyPr/>
+                    <a:lstStyle/>
+                    <a:p>
+                      <a:r>
+                        <a:rPr lang="de-DE" dirty="0" err="1"/>
                         <a:t>Testing</a:t>
                       </a:r>
                       <a:r>
-                        <a:rPr lang="de-DE" dirty="0" smtClean="0"/>
+                        <a:rPr lang="de-DE" dirty="0"/>
                         <a:t>/Debugging</a:t>
                       </a:r>
-                      <a:endParaRPr lang="de-DE" dirty="0"/>
-                    </a:p>
-                  </a:txBody>
-                  <a:tcPr/>
-                </a:tc>
-                <a:tc>
-                  <a:txBody>
-                    <a:bodyPr/>
-                    <a:lstStyle/>
-                    <a:p>
-                      <a:r>
-                        <a:rPr lang="de-DE" dirty="0" smtClean="0"/>
+                    </a:p>
+                  </a:txBody>
+                  <a:tcPr/>
+                </a:tc>
+                <a:tc>
+                  <a:txBody>
+                    <a:bodyPr/>
+                    <a:lstStyle/>
+                    <a:p>
+                      <a:r>
+                        <a:rPr lang="de-DE" dirty="0"/>
                         <a:t>Wind/</a:t>
                       </a:r>
                       <a:r>
-                        <a:rPr lang="de-DE" baseline="0" dirty="0" smtClean="0"/>
+                        <a:rPr lang="de-DE" baseline="0" dirty="0"/>
                         <a:t> Environment</a:t>
                       </a:r>
                       <a:endParaRPr lang="de-DE" dirty="0"/>
@@ -5566,7 +5488,7 @@
                     <a:lstStyle/>
                     <a:p>
                       <a:r>
-                        <a:rPr lang="de-DE" dirty="0" smtClean="0"/>
+                        <a:rPr lang="de-DE" dirty="0"/>
                         <a:t>Animation</a:t>
                       </a:r>
                     </a:p>
@@ -5578,7 +5500,7 @@
                 </a:tc>
                 <a:extLst>
                   <a:ext uri="{0D108BD9-81ED-4DB2-BD59-A6C34878D82A}">
-                    <a16:rowId xmlns="" xmlns:a16="http://schemas.microsoft.com/office/drawing/2014/main" val="10007"/>
+                    <a16:rowId xmlns:a16="http://schemas.microsoft.com/office/drawing/2014/main" val="10007"/>
                   </a:ext>
                 </a:extLst>
               </a:tr>
@@ -5596,13 +5518,6 @@
   <p:clrMapOvr>
     <a:masterClrMapping/>
   </p:clrMapOvr>
-  <p:timing>
-    <p:tnLst>
-      <p:par>
-        <p:cTn id="1" dur="indefinite" restart="never" nodeType="tmRoot"/>
-      </p:par>
-    </p:tnLst>
-  </p:timing>
 </p:sld>
 </file>
 
@@ -5639,11 +5554,11 @@
           <a:lstStyle/>
           <a:p>
             <a:r>
-              <a:rPr lang="de-DE" dirty="0" smtClean="0"/>
+              <a:rPr lang="de-DE" dirty="0"/>
               <a:t>Zeitplan </a:t>
             </a:r>
             <a:r>
-              <a:rPr lang="de-DE" dirty="0" err="1" smtClean="0"/>
+              <a:rPr lang="de-DE" dirty="0" err="1"/>
               <a:t>nacher</a:t>
             </a:r>
             <a:endParaRPr lang="de-DE" dirty="0"/>
@@ -5675,28 +5590,28 @@
                 <a:gridCol w="2628900">
                   <a:extLst>
                     <a:ext uri="{9D8B030D-6E8A-4147-A177-3AD203B41FA5}">
-                      <a16:colId xmlns="" xmlns:a16="http://schemas.microsoft.com/office/drawing/2014/main" val="20000"/>
+                      <a16:colId xmlns:a16="http://schemas.microsoft.com/office/drawing/2014/main" val="20000"/>
                     </a:ext>
                   </a:extLst>
                 </a:gridCol>
                 <a:gridCol w="2628900">
                   <a:extLst>
                     <a:ext uri="{9D8B030D-6E8A-4147-A177-3AD203B41FA5}">
-                      <a16:colId xmlns="" xmlns:a16="http://schemas.microsoft.com/office/drawing/2014/main" val="20001"/>
+                      <a16:colId xmlns:a16="http://schemas.microsoft.com/office/drawing/2014/main" val="20001"/>
                     </a:ext>
                   </a:extLst>
                 </a:gridCol>
                 <a:gridCol w="2628900">
                   <a:extLst>
                     <a:ext uri="{9D8B030D-6E8A-4147-A177-3AD203B41FA5}">
-                      <a16:colId xmlns="" xmlns:a16="http://schemas.microsoft.com/office/drawing/2014/main" val="20002"/>
+                      <a16:colId xmlns:a16="http://schemas.microsoft.com/office/drawing/2014/main" val="20002"/>
                     </a:ext>
                   </a:extLst>
                 </a:gridCol>
                 <a:gridCol w="2628900">
                   <a:extLst>
                     <a:ext uri="{9D8B030D-6E8A-4147-A177-3AD203B41FA5}">
-                      <a16:colId xmlns="" xmlns:a16="http://schemas.microsoft.com/office/drawing/2014/main" val="20003"/>
+                      <a16:colId xmlns:a16="http://schemas.microsoft.com/office/drawing/2014/main" val="20003"/>
                     </a:ext>
                   </a:extLst>
                 </a:gridCol>
@@ -5708,59 +5623,55 @@
                     <a:lstStyle/>
                     <a:p>
                       <a:r>
-                        <a:rPr lang="de-DE" dirty="0" smtClean="0"/>
+                        <a:rPr lang="de-DE" dirty="0"/>
                         <a:t>Woche</a:t>
                       </a:r>
-                      <a:endParaRPr lang="de-DE" dirty="0"/>
-                    </a:p>
-                  </a:txBody>
-                  <a:tcPr/>
-                </a:tc>
-                <a:tc>
-                  <a:txBody>
-                    <a:bodyPr/>
-                    <a:lstStyle/>
-                    <a:p>
-                      <a:r>
-                        <a:rPr lang="de-DE" dirty="0" smtClean="0"/>
+                    </a:p>
+                  </a:txBody>
+                  <a:tcPr/>
+                </a:tc>
+                <a:tc>
+                  <a:txBody>
+                    <a:bodyPr/>
+                    <a:lstStyle/>
+                    <a:p>
+                      <a:r>
+                        <a:rPr lang="de-DE" dirty="0"/>
                         <a:t>Niels</a:t>
                       </a:r>
-                      <a:endParaRPr lang="de-DE" dirty="0"/>
-                    </a:p>
-                  </a:txBody>
-                  <a:tcPr/>
-                </a:tc>
-                <a:tc>
-                  <a:txBody>
-                    <a:bodyPr/>
-                    <a:lstStyle/>
-                    <a:p>
-                      <a:r>
-                        <a:rPr lang="de-DE" dirty="0" smtClean="0"/>
+                    </a:p>
+                  </a:txBody>
+                  <a:tcPr/>
+                </a:tc>
+                <a:tc>
+                  <a:txBody>
+                    <a:bodyPr/>
+                    <a:lstStyle/>
+                    <a:p>
+                      <a:r>
+                        <a:rPr lang="de-DE" dirty="0"/>
                         <a:t>Robert</a:t>
                       </a:r>
-                      <a:endParaRPr lang="de-DE" dirty="0"/>
-                    </a:p>
-                  </a:txBody>
-                  <a:tcPr/>
-                </a:tc>
-                <a:tc>
-                  <a:txBody>
-                    <a:bodyPr/>
-                    <a:lstStyle/>
-                    <a:p>
-                      <a:r>
-                        <a:rPr lang="de-DE" dirty="0" smtClean="0"/>
+                    </a:p>
+                  </a:txBody>
+                  <a:tcPr/>
+                </a:tc>
+                <a:tc>
+                  <a:txBody>
+                    <a:bodyPr/>
+                    <a:lstStyle/>
+                    <a:p>
+                      <a:r>
+                        <a:rPr lang="de-DE" dirty="0"/>
                         <a:t>Daniel</a:t>
                       </a:r>
-                      <a:endParaRPr lang="de-DE" dirty="0"/>
                     </a:p>
                   </a:txBody>
                   <a:tcPr/>
                 </a:tc>
                 <a:extLst>
                   <a:ext uri="{0D108BD9-81ED-4DB2-BD59-A6C34878D82A}">
-                    <a16:rowId xmlns="" xmlns:a16="http://schemas.microsoft.com/office/drawing/2014/main" val="10000"/>
+                    <a16:rowId xmlns:a16="http://schemas.microsoft.com/office/drawing/2014/main" val="10000"/>
                   </a:ext>
                 </a:extLst>
               </a:tr>
@@ -5771,24 +5682,22 @@
                     <a:lstStyle/>
                     <a:p>
                       <a:r>
-                        <a:rPr lang="de-DE" dirty="0" smtClean="0"/>
+                        <a:rPr lang="de-DE" dirty="0"/>
                         <a:t>KW 32</a:t>
                       </a:r>
-                      <a:endParaRPr lang="de-DE" dirty="0"/>
-                    </a:p>
-                  </a:txBody>
-                  <a:tcPr/>
-                </a:tc>
-                <a:tc>
-                  <a:txBody>
-                    <a:bodyPr/>
-                    <a:lstStyle/>
-                    <a:p>
-                      <a:r>
-                        <a:rPr lang="de-DE" dirty="0" smtClean="0"/>
+                    </a:p>
+                  </a:txBody>
+                  <a:tcPr/>
+                </a:tc>
+                <a:tc>
+                  <a:txBody>
+                    <a:bodyPr/>
+                    <a:lstStyle/>
+                    <a:p>
+                      <a:r>
+                        <a:rPr lang="de-DE" dirty="0"/>
                         <a:t>KI</a:t>
                       </a:r>
-                      <a:endParaRPr lang="de-DE" dirty="0"/>
                     </a:p>
                   </a:txBody>
                   <a:tcPr/>
@@ -5815,7 +5724,7 @@
                 </a:tc>
                 <a:extLst>
                   <a:ext uri="{0D108BD9-81ED-4DB2-BD59-A6C34878D82A}">
-                    <a16:rowId xmlns="" xmlns:a16="http://schemas.microsoft.com/office/drawing/2014/main" val="10001"/>
+                    <a16:rowId xmlns:a16="http://schemas.microsoft.com/office/drawing/2014/main" val="10001"/>
                   </a:ext>
                 </a:extLst>
               </a:tr>
@@ -5826,10 +5735,9 @@
                     <a:lstStyle/>
                     <a:p>
                       <a:r>
-                        <a:rPr lang="de-DE" dirty="0" smtClean="0"/>
+                        <a:rPr lang="de-DE" dirty="0"/>
                         <a:t>KW 33</a:t>
                       </a:r>
-                      <a:endParaRPr lang="de-DE" dirty="0"/>
                     </a:p>
                   </a:txBody>
                   <a:tcPr/>
@@ -5866,7 +5774,7 @@
                 </a:tc>
                 <a:extLst>
                   <a:ext uri="{0D108BD9-81ED-4DB2-BD59-A6C34878D82A}">
-                    <a16:rowId xmlns="" xmlns:a16="http://schemas.microsoft.com/office/drawing/2014/main" val="10002"/>
+                    <a16:rowId xmlns:a16="http://schemas.microsoft.com/office/drawing/2014/main" val="10002"/>
                   </a:ext>
                 </a:extLst>
               </a:tr>
@@ -5877,10 +5785,9 @@
                     <a:lstStyle/>
                     <a:p>
                       <a:r>
-                        <a:rPr lang="de-DE" dirty="0" smtClean="0"/>
+                        <a:rPr lang="de-DE" dirty="0"/>
                         <a:t>KW 34</a:t>
                       </a:r>
-                      <a:endParaRPr lang="de-DE" dirty="0"/>
                     </a:p>
                   </a:txBody>
                   <a:tcPr/>
@@ -5917,7 +5824,7 @@
                         <a:tabLst/>
                         <a:defRPr/>
                       </a:pPr>
-                      <a:endParaRPr lang="de-DE" dirty="0" smtClean="0"/>
+                      <a:endParaRPr lang="de-DE" dirty="0"/>
                     </a:p>
                   </a:txBody>
                   <a:tcPr/>
@@ -5934,7 +5841,7 @@
                 </a:tc>
                 <a:extLst>
                   <a:ext uri="{0D108BD9-81ED-4DB2-BD59-A6C34878D82A}">
-                    <a16:rowId xmlns="" xmlns:a16="http://schemas.microsoft.com/office/drawing/2014/main" val="10003"/>
+                    <a16:rowId xmlns:a16="http://schemas.microsoft.com/office/drawing/2014/main" val="10003"/>
                   </a:ext>
                 </a:extLst>
               </a:tr>
@@ -5945,10 +5852,9 @@
                     <a:lstStyle/>
                     <a:p>
                       <a:r>
-                        <a:rPr lang="de-DE" dirty="0" smtClean="0"/>
+                        <a:rPr lang="de-DE" dirty="0"/>
                         <a:t>KW 35</a:t>
                       </a:r>
-                      <a:endParaRPr lang="de-DE" dirty="0"/>
                     </a:p>
                   </a:txBody>
                   <a:tcPr/>
@@ -5995,14 +5901,14 @@
                         <a:tabLst/>
                         <a:defRPr/>
                       </a:pPr>
-                      <a:endParaRPr lang="de-DE" dirty="0" smtClean="0"/>
+                      <a:endParaRPr lang="de-DE" dirty="0"/>
                     </a:p>
                   </a:txBody>
                   <a:tcPr/>
                 </a:tc>
                 <a:extLst>
                   <a:ext uri="{0D108BD9-81ED-4DB2-BD59-A6C34878D82A}">
-                    <a16:rowId xmlns="" xmlns:a16="http://schemas.microsoft.com/office/drawing/2014/main" val="10004"/>
+                    <a16:rowId xmlns:a16="http://schemas.microsoft.com/office/drawing/2014/main" val="10004"/>
                   </a:ext>
                 </a:extLst>
               </a:tr>
@@ -6013,10 +5919,9 @@
                     <a:lstStyle/>
                     <a:p>
                       <a:r>
-                        <a:rPr lang="de-DE" dirty="0" smtClean="0"/>
+                        <a:rPr lang="de-DE" dirty="0"/>
                         <a:t>KW 36</a:t>
                       </a:r>
-                      <a:endParaRPr lang="de-DE" dirty="0"/>
                     </a:p>
                   </a:txBody>
                   <a:tcPr/>
@@ -6053,7 +5958,7 @@
                 </a:tc>
                 <a:extLst>
                   <a:ext uri="{0D108BD9-81ED-4DB2-BD59-A6C34878D82A}">
-                    <a16:rowId xmlns="" xmlns:a16="http://schemas.microsoft.com/office/drawing/2014/main" val="10005"/>
+                    <a16:rowId xmlns:a16="http://schemas.microsoft.com/office/drawing/2014/main" val="10005"/>
                   </a:ext>
                 </a:extLst>
               </a:tr>
@@ -6064,11 +5969,11 @@
                     <a:lstStyle/>
                     <a:p>
                       <a:r>
-                        <a:rPr lang="de-DE" dirty="0" smtClean="0"/>
+                        <a:rPr lang="de-DE" dirty="0"/>
                         <a:t>KW</a:t>
                       </a:r>
                       <a:r>
-                        <a:rPr lang="de-DE" baseline="0" dirty="0" smtClean="0"/>
+                        <a:rPr lang="de-DE" baseline="0" dirty="0"/>
                         <a:t> 37</a:t>
                       </a:r>
                       <a:endParaRPr lang="de-DE" dirty="0"/>
@@ -6118,14 +6023,14 @@
                         <a:tabLst/>
                         <a:defRPr/>
                       </a:pPr>
-                      <a:endParaRPr lang="de-DE" dirty="0" smtClean="0"/>
+                      <a:endParaRPr lang="de-DE" dirty="0"/>
                     </a:p>
                   </a:txBody>
                   <a:tcPr/>
                 </a:tc>
                 <a:extLst>
                   <a:ext uri="{0D108BD9-81ED-4DB2-BD59-A6C34878D82A}">
-                    <a16:rowId xmlns="" xmlns:a16="http://schemas.microsoft.com/office/drawing/2014/main" val="10006"/>
+                    <a16:rowId xmlns:a16="http://schemas.microsoft.com/office/drawing/2014/main" val="10006"/>
                   </a:ext>
                 </a:extLst>
               </a:tr>
@@ -6136,67 +6041,65 @@
                     <a:lstStyle/>
                     <a:p>
                       <a:r>
-                        <a:rPr lang="de-DE" dirty="0" smtClean="0"/>
+                        <a:rPr lang="de-DE" dirty="0"/>
                         <a:t>KW 38</a:t>
                       </a:r>
-                      <a:endParaRPr lang="de-DE" dirty="0"/>
-                    </a:p>
-                  </a:txBody>
-                  <a:tcPr/>
-                </a:tc>
-                <a:tc>
-                  <a:txBody>
-                    <a:bodyPr/>
-                    <a:lstStyle/>
-                    <a:p>
-                      <a:r>
-                        <a:rPr lang="de-DE" dirty="0" err="1" smtClean="0"/>
+                    </a:p>
+                  </a:txBody>
+                  <a:tcPr/>
+                </a:tc>
+                <a:tc>
+                  <a:txBody>
+                    <a:bodyPr/>
+                    <a:lstStyle/>
+                    <a:p>
+                      <a:r>
+                        <a:rPr lang="de-DE" dirty="0" err="1"/>
                         <a:t>Testing</a:t>
                       </a:r>
                       <a:r>
-                        <a:rPr lang="de-DE" dirty="0" smtClean="0"/>
+                        <a:rPr lang="de-DE" dirty="0"/>
                         <a:t>/Debugging</a:t>
                       </a:r>
-                      <a:endParaRPr lang="de-DE" dirty="0"/>
-                    </a:p>
-                  </a:txBody>
-                  <a:tcPr/>
-                </a:tc>
-                <a:tc>
-                  <a:txBody>
-                    <a:bodyPr/>
-                    <a:lstStyle/>
-                    <a:p>
-                      <a:r>
-                        <a:rPr lang="de-DE" dirty="0" smtClean="0"/>
+                    </a:p>
+                  </a:txBody>
+                  <a:tcPr/>
+                </a:tc>
+                <a:tc>
+                  <a:txBody>
+                    <a:bodyPr/>
+                    <a:lstStyle/>
+                    <a:p>
+                      <a:r>
+                        <a:rPr lang="de-DE" dirty="0"/>
                         <a:t>Level Generierung</a:t>
                       </a:r>
                     </a:p>
                     <a:p>
                       <a:r>
-                        <a:rPr lang="de-DE" dirty="0" smtClean="0"/>
+                        <a:rPr lang="de-DE" dirty="0"/>
                         <a:t>Attribute</a:t>
                       </a:r>
                       <a:r>
-                        <a:rPr lang="de-DE" baseline="0" dirty="0" smtClean="0"/>
+                        <a:rPr lang="de-DE" baseline="0" dirty="0"/>
                         <a:t> |</a:t>
                       </a:r>
                       <a:r>
-                        <a:rPr lang="de-DE" dirty="0" smtClean="0"/>
+                        <a:rPr lang="de-DE" dirty="0"/>
                         <a:t>UI</a:t>
                       </a:r>
                     </a:p>
                     <a:p>
                       <a:r>
-                        <a:rPr lang="de-DE" dirty="0" smtClean="0"/>
+                        <a:rPr lang="de-DE" dirty="0"/>
                         <a:t>Spieler,</a:t>
                       </a:r>
                       <a:r>
-                        <a:rPr lang="de-DE" baseline="0" dirty="0" smtClean="0"/>
+                        <a:rPr lang="de-DE" baseline="0" dirty="0"/>
                         <a:t> </a:t>
                       </a:r>
                       <a:r>
-                        <a:rPr lang="de-DE" dirty="0" smtClean="0"/>
+                        <a:rPr lang="de-DE" dirty="0"/>
                         <a:t>Gegner Interaktion</a:t>
                       </a:r>
                     </a:p>
@@ -6212,7 +6115,7 @@
                     <a:lstStyle/>
                     <a:p>
                       <a:r>
-                        <a:rPr lang="de-DE" dirty="0" smtClean="0"/>
+                        <a:rPr lang="de-DE" dirty="0"/>
                         <a:t>Menu | Item Drop | Item Design</a:t>
                       </a:r>
                     </a:p>
@@ -6224,7 +6127,7 @@
                 </a:tc>
                 <a:extLst>
                   <a:ext uri="{0D108BD9-81ED-4DB2-BD59-A6C34878D82A}">
-                    <a16:rowId xmlns="" xmlns:a16="http://schemas.microsoft.com/office/drawing/2014/main" val="10007"/>
+                    <a16:rowId xmlns:a16="http://schemas.microsoft.com/office/drawing/2014/main" val="10007"/>
                   </a:ext>
                 </a:extLst>
               </a:tr>
@@ -6242,13 +6145,6 @@
   <p:clrMapOvr>
     <a:masterClrMapping/>
   </p:clrMapOvr>
-  <p:timing>
-    <p:tnLst>
-      <p:par>
-        <p:cTn id="1" dur="indefinite" restart="never" nodeType="tmRoot"/>
-      </p:par>
-    </p:tnLst>
-  </p:timing>
 </p:sld>
 </file>
 
@@ -6285,10 +6181,9 @@
           <a:lstStyle/>
           <a:p>
             <a:r>
-              <a:rPr lang="de-DE" dirty="0" smtClean="0"/>
+              <a:rPr lang="de-DE" dirty="0"/>
               <a:t>Aufwand in Stunden Niels</a:t>
             </a:r>
-            <a:endParaRPr lang="de-DE" dirty="0"/>
           </a:p>
         </p:txBody>
       </p:sp>
@@ -6308,36 +6203,36 @@
           <a:lstStyle/>
           <a:p>
             <a:r>
-              <a:rPr lang="de-DE" dirty="0" smtClean="0"/>
+              <a:rPr lang="de-DE" dirty="0"/>
               <a:t>Projekt Setup 2h</a:t>
             </a:r>
           </a:p>
           <a:p>
             <a:r>
-              <a:rPr lang="de-DE" dirty="0" smtClean="0"/>
+              <a:rPr lang="de-DE" dirty="0"/>
               <a:t>Movement 5h</a:t>
             </a:r>
           </a:p>
           <a:p>
             <a:r>
-              <a:rPr lang="de-DE" dirty="0" smtClean="0"/>
+              <a:rPr lang="de-DE" dirty="0"/>
               <a:t>KI 20h</a:t>
             </a:r>
           </a:p>
           <a:p>
             <a:r>
-              <a:rPr lang="de-DE" dirty="0" smtClean="0"/>
+              <a:rPr lang="de-DE" dirty="0"/>
               <a:t>3D Modellierung 5h</a:t>
             </a:r>
           </a:p>
           <a:p>
-            <a:endParaRPr lang="de-DE" dirty="0" smtClean="0"/>
+            <a:endParaRPr lang="de-DE" dirty="0"/>
           </a:p>
           <a:p>
             <a:pPr marL="0" indent="0">
               <a:buNone/>
             </a:pPr>
-            <a:endParaRPr lang="de-DE" dirty="0" smtClean="0"/>
+            <a:endParaRPr lang="de-DE" dirty="0"/>
           </a:p>
         </p:txBody>
       </p:sp>
@@ -6387,10 +6282,9 @@
           <a:lstStyle/>
           <a:p>
             <a:r>
-              <a:rPr lang="de-DE" dirty="0" smtClean="0"/>
+              <a:rPr lang="de-DE" dirty="0"/>
               <a:t>Aufwand in Stunden Robert</a:t>
             </a:r>
-            <a:endParaRPr lang="de-DE" dirty="0"/>
           </a:p>
         </p:txBody>
       </p:sp>
@@ -6410,12 +6304,35 @@
           <a:lstStyle/>
           <a:p>
             <a:r>
-              <a:rPr lang="de-DE" dirty="0" smtClean="0"/>
-              <a:t>Level Generierung</a:t>
-            </a:r>
-          </a:p>
-          <a:p>
-            <a:endParaRPr lang="de-DE" dirty="0" smtClean="0"/>
+              <a:rPr lang="de-DE" dirty="0"/>
+              <a:t>Level Generierung 5h</a:t>
+            </a:r>
+          </a:p>
+          <a:p>
+            <a:r>
+              <a:rPr lang="de-DE" dirty="0"/>
+              <a:t>Attribute Spieler/</a:t>
+            </a:r>
+            <a:r>
+              <a:rPr lang="de-DE"/>
+              <a:t>Gegner 12h</a:t>
+            </a:r>
+            <a:endParaRPr lang="de-DE" dirty="0"/>
+          </a:p>
+          <a:p>
+            <a:r>
+              <a:rPr lang="de-DE" dirty="0"/>
+              <a:t>UI 2h</a:t>
+            </a:r>
+          </a:p>
+          <a:p>
+            <a:r>
+              <a:rPr lang="de-DE" dirty="0"/>
+              <a:t>Spieler- / Gegnerinteraktionen 15h</a:t>
+            </a:r>
+          </a:p>
+          <a:p>
+            <a:endParaRPr lang="de-DE" dirty="0"/>
           </a:p>
         </p:txBody>
       </p:sp>
@@ -6465,10 +6382,9 @@
           <a:lstStyle/>
           <a:p>
             <a:r>
-              <a:rPr lang="de-DE" dirty="0" smtClean="0"/>
+              <a:rPr lang="de-DE" dirty="0"/>
               <a:t>Aufwand in Stunden Daniel</a:t>
             </a:r>
-            <a:endParaRPr lang="de-DE" dirty="0"/>
           </a:p>
         </p:txBody>
       </p:sp>
@@ -6488,12 +6404,12 @@
           <a:lstStyle/>
           <a:p>
             <a:r>
-              <a:rPr lang="de-DE" dirty="0" smtClean="0"/>
+              <a:rPr lang="de-DE" dirty="0"/>
               <a:t>Menü</a:t>
             </a:r>
           </a:p>
           <a:p>
-            <a:endParaRPr lang="de-DE" dirty="0" smtClean="0"/>
+            <a:endParaRPr lang="de-DE" dirty="0"/>
           </a:p>
         </p:txBody>
       </p:sp>

--- a/Anhang.pptx
+++ b/Anhang.pptx
@@ -2988,7 +2988,12 @@
             <p:ph type="subTitle" idx="1"/>
           </p:nvPr>
         </p:nvSpPr>
-        <p:spPr/>
+        <p:spPr>
+          <a:xfrm>
+            <a:off x="0" y="3602038"/>
+            <a:ext cx="12192000" cy="1655762"/>
+          </a:xfrm>
+        </p:spPr>
         <p:txBody>
           <a:bodyPr/>
           <a:lstStyle/>
@@ -3014,15 +3019,19 @@
           <a:p>
             <a:r>
               <a:rPr lang="de-DE" dirty="0"/>
-              <a:t>Daniel Janzen, Robert </a:t>
+              <a:t>Daniel Janzen, Robert Jonetzko, Niels </a:t>
             </a:r>
             <a:r>
               <a:rPr lang="de-DE" dirty="0" err="1"/>
-              <a:t>Jonetzko</a:t>
-            </a:r>
+              <a:t>Quanz</a:t>
+            </a:r>
+            <a:endParaRPr lang="de-DE" dirty="0"/>
+          </a:p>
+          <a:p>
+            <a:pPr algn="l"/>
             <a:r>
               <a:rPr lang="de-DE" dirty="0"/>
-              <a:t>, Niels Quanz</a:t>
+              <a:t>      Matrikelnummern: 	000000 	829719 	545607</a:t>
             </a:r>
           </a:p>
           <a:p>

--- a/Anhang.pptx
+++ b/Anhang.pptx
@@ -3031,7 +3031,7 @@
             <a:pPr algn="l"/>
             <a:r>
               <a:rPr lang="de-DE" dirty="0"/>
-              <a:t>      Matrikelnummern: 	000000 	829719 	545607</a:t>
+              <a:t>      Matrikelnummern: 	844890 	829719 	545607</a:t>
             </a:r>
           </a:p>
           <a:p>
@@ -5582,7 +5582,11 @@
           </p:cNvGraphicFramePr>
           <p:nvPr>
             <p:ph idx="1"/>
-            <p:extLst/>
+            <p:extLst>
+              <p:ext uri="{D42A27DB-BD31-4B8C-83A1-F6EECF244321}">
+                <p14:modId xmlns:p14="http://schemas.microsoft.com/office/powerpoint/2010/main" val="2966726759"/>
+              </p:ext>
+            </p:extLst>
           </p:nvPr>
         </p:nvGraphicFramePr>
         <p:xfrm>
@@ -6125,7 +6129,15 @@
                     <a:p>
                       <a:r>
                         <a:rPr lang="de-DE" dirty="0"/>
-                        <a:t>Menu | Item Drop | Item Design</a:t>
+                        <a:t>Menu | Item Drop | Item Design | neue Level Generierung | Spieler Tod/</a:t>
+                      </a:r>
+                      <a:r>
+                        <a:rPr lang="de-DE" dirty="0" err="1"/>
+                        <a:t>Reset</a:t>
+                      </a:r>
+                      <a:r>
+                        <a:rPr lang="de-DE" dirty="0"/>
+                        <a:t> </a:t>
                       </a:r>
                     </a:p>
                     <a:p>
@@ -6414,8 +6426,37 @@
           <a:p>
             <a:r>
               <a:rPr lang="de-DE" dirty="0"/>
-              <a:t>Menü</a:t>
-            </a:r>
+              <a:t>Menü 5h</a:t>
+            </a:r>
+          </a:p>
+          <a:p>
+            <a:r>
+              <a:rPr lang="de-DE" dirty="0"/>
+              <a:t>Item Drop und Design 5h</a:t>
+            </a:r>
+          </a:p>
+          <a:p>
+            <a:r>
+              <a:rPr lang="de-DE" dirty="0"/>
+              <a:t>Neue Level Generierung 10h</a:t>
+            </a:r>
+          </a:p>
+          <a:p>
+            <a:r>
+              <a:rPr lang="de-DE" dirty="0"/>
+              <a:t>Spieler Tod und </a:t>
+            </a:r>
+            <a:r>
+              <a:rPr lang="de-DE" dirty="0" err="1"/>
+              <a:t>Reset</a:t>
+            </a:r>
+            <a:r>
+              <a:rPr lang="de-DE" dirty="0"/>
+              <a:t> 10h</a:t>
+            </a:r>
+          </a:p>
+          <a:p>
+            <a:endParaRPr lang="de-DE" dirty="0"/>
           </a:p>
           <a:p>
             <a:endParaRPr lang="de-DE" dirty="0"/>

--- a/Anhang.pptx
+++ b/Anhang.pptx
@@ -6432,8 +6432,13 @@
           <a:p>
             <a:r>
               <a:rPr lang="de-DE" dirty="0"/>
-              <a:t>Item Drop und Design 5h</a:t>
-            </a:r>
+              <a:t>Item Drop und </a:t>
+            </a:r>
+            <a:r>
+              <a:rPr lang="de-DE"/>
+              <a:t>Design 8h</a:t>
+            </a:r>
+            <a:endParaRPr lang="de-DE" dirty="0"/>
           </a:p>
           <a:p>
             <a:r>

--- a/Anhang.pptx
+++ b/Anhang.pptx
@@ -3079,9 +3079,16 @@
             <p:ph type="title"/>
           </p:nvPr>
         </p:nvSpPr>
-        <p:spPr/>
-        <p:txBody>
-          <a:bodyPr/>
+        <p:spPr>
+          <a:xfrm>
+            <a:off x="838200" y="365126"/>
+            <a:ext cx="10515600" cy="574442"/>
+          </a:xfrm>
+        </p:spPr>
+        <p:txBody>
+          <a:bodyPr>
+            <a:normAutofit fontScale="90000"/>
+          </a:bodyPr>
           <a:lstStyle/>
           <a:p>
             <a:r>
@@ -3101,12 +3108,197 @@
             <p:ph idx="1"/>
           </p:nvPr>
         </p:nvSpPr>
-        <p:spPr/>
-        <p:txBody>
-          <a:bodyPr/>
+        <p:spPr>
+          <a:xfrm>
+            <a:off x="838200" y="939568"/>
+            <a:ext cx="10515600" cy="5553306"/>
+          </a:xfrm>
+        </p:spPr>
+        <p:txBody>
+          <a:bodyPr>
+            <a:normAutofit/>
+          </a:bodyPr>
           <a:lstStyle/>
           <a:p>
-            <a:endParaRPr lang="de-DE" dirty="0"/>
+            <a:r>
+              <a:rPr lang="de-DE" sz="1800" dirty="0"/>
+              <a:t>Level besteht aus einer achteckigen Oberfläche, welches am Anfang mit Wänden, Bäumen, Steinen und Pilzfallen bestückt wird</a:t>
+            </a:r>
+          </a:p>
+          <a:p>
+            <a:pPr lvl="1"/>
+            <a:r>
+              <a:rPr lang="de-DE" sz="1400" dirty="0"/>
+              <a:t>Anzahl und Positionierung übernimmt die Klasse Spawn</a:t>
+            </a:r>
+          </a:p>
+          <a:p>
+            <a:r>
+              <a:rPr lang="de-DE" sz="1800" dirty="0"/>
+              <a:t>Spieler und Gegner können sich bewegen, Gegner bewegt sich auf den Spieler zu</a:t>
+            </a:r>
+          </a:p>
+          <a:p>
+            <a:pPr lvl="1"/>
+            <a:r>
+              <a:rPr lang="de-DE" sz="1400" dirty="0"/>
+              <a:t>Spielerbewegung übernimmt Klasse Movement, Gegnerbewegung übernimmt Klasse KI</a:t>
+            </a:r>
+          </a:p>
+          <a:p>
+            <a:r>
+              <a:rPr lang="de-DE" sz="1800" dirty="0"/>
+              <a:t>Pilzfallen lösen eine Explosion aus, wenn Spieler über diese läuft und schleudert den Spieler weg</a:t>
+            </a:r>
+          </a:p>
+          <a:p>
+            <a:pPr lvl="1"/>
+            <a:r>
+              <a:rPr lang="de-DE" sz="1400" dirty="0"/>
+              <a:t>Explosion und </a:t>
+            </a:r>
+            <a:r>
+              <a:rPr lang="de-DE" sz="1400" dirty="0" err="1"/>
+              <a:t>Knockback</a:t>
+            </a:r>
+            <a:r>
+              <a:rPr lang="de-DE" sz="1400" dirty="0"/>
+              <a:t> übernimmt Klasse Explosion</a:t>
+            </a:r>
+          </a:p>
+          <a:p>
+            <a:r>
+              <a:rPr lang="de-DE" sz="1800" dirty="0"/>
+              <a:t>Spieler und Gegner haben drei Werte: Rüstung (Armor), Lebenspunkte (Hitpoints) und Angriffsstärke (</a:t>
+            </a:r>
+            <a:r>
+              <a:rPr lang="de-DE" sz="1800" dirty="0" err="1"/>
+              <a:t>Attack</a:t>
+            </a:r>
+            <a:r>
+              <a:rPr lang="de-DE" sz="1800" dirty="0"/>
+              <a:t>)</a:t>
+            </a:r>
+          </a:p>
+          <a:p>
+            <a:pPr lvl="1"/>
+            <a:r>
+              <a:rPr lang="de-DE" sz="1400" dirty="0"/>
+              <a:t>Management der Spielerwerte übernimmt die Klasse </a:t>
+            </a:r>
+            <a:r>
+              <a:rPr lang="de-DE" sz="1400" dirty="0" err="1"/>
+              <a:t>PlayerStats</a:t>
+            </a:r>
+            <a:r>
+              <a:rPr lang="de-DE" sz="1400" dirty="0"/>
+              <a:t>, für die Gegnerwerte ist Klasse </a:t>
+            </a:r>
+            <a:r>
+              <a:rPr lang="de-DE" sz="1400" dirty="0" err="1"/>
+              <a:t>EnemyStats</a:t>
+            </a:r>
+            <a:r>
+              <a:rPr lang="de-DE" sz="1400" dirty="0"/>
+              <a:t> zuständig</a:t>
+            </a:r>
+          </a:p>
+          <a:p>
+            <a:r>
+              <a:rPr lang="de-DE" sz="1800" dirty="0"/>
+              <a:t>UI zeigt die Werte des Spielers in Echtzeit an</a:t>
+            </a:r>
+          </a:p>
+          <a:p>
+            <a:pPr lvl="1"/>
+            <a:r>
+              <a:rPr lang="de-DE" sz="1400" dirty="0"/>
+              <a:t>UI Aktualisierungen übernimmt Klasse </a:t>
+            </a:r>
+            <a:r>
+              <a:rPr lang="de-DE" sz="1400" dirty="0" err="1"/>
+              <a:t>PlayerStats</a:t>
+            </a:r>
+            <a:endParaRPr lang="de-DE" sz="1400" dirty="0"/>
+          </a:p>
+          <a:p>
+            <a:r>
+              <a:rPr lang="de-DE" sz="1800" dirty="0"/>
+              <a:t>Spieler und Gegner können sich gegenseitig Schaden, Spieler muss angreifen und Gegner muss Spieler berühren, bei Gegnerberührung wird der Spieler vom Gegner weggeschleudert</a:t>
+            </a:r>
+          </a:p>
+          <a:p>
+            <a:pPr lvl="1"/>
+            <a:r>
+              <a:rPr lang="de-DE" sz="1400" dirty="0"/>
+              <a:t>Angriff des Spielers übernimmt </a:t>
+            </a:r>
+            <a:r>
+              <a:rPr lang="de-DE" sz="1400" dirty="0" err="1"/>
+              <a:t>PlayerAttack</a:t>
+            </a:r>
+            <a:r>
+              <a:rPr lang="de-DE" sz="1400" dirty="0"/>
+              <a:t> und Berührung des Gegner übernimmt Klasse </a:t>
+            </a:r>
+            <a:r>
+              <a:rPr lang="de-DE" sz="1400" dirty="0" err="1"/>
+              <a:t>PlayerStats</a:t>
+            </a:r>
+            <a:endParaRPr lang="de-DE" sz="1400" dirty="0"/>
+          </a:p>
+          <a:p>
+            <a:r>
+              <a:rPr lang="de-DE" sz="1800" dirty="0"/>
+              <a:t>Gegner lässt nach Tod verschiedene Items fallen: Rüstung, Waffe und Schlüssel, </a:t>
+            </a:r>
+          </a:p>
+          <a:p>
+            <a:pPr lvl="1"/>
+            <a:r>
+              <a:rPr lang="de-DE" sz="1400" dirty="0" err="1"/>
+              <a:t>Itemdrops</a:t>
+            </a:r>
+            <a:r>
+              <a:rPr lang="de-DE" sz="1400" dirty="0"/>
+              <a:t> übernimmt Klasse </a:t>
+            </a:r>
+            <a:r>
+              <a:rPr lang="de-DE" sz="1400" dirty="0" err="1"/>
+              <a:t>EnemyStats</a:t>
+            </a:r>
+            <a:endParaRPr lang="de-DE" sz="1400" dirty="0"/>
+          </a:p>
+          <a:p>
+            <a:r>
+              <a:rPr lang="de-DE" sz="1800" dirty="0"/>
+              <a:t>Nach Aufnahme des Schlüssels erscheint ein Tor zum nächsten Level</a:t>
+            </a:r>
+          </a:p>
+          <a:p>
+            <a:pPr lvl="1"/>
+            <a:r>
+              <a:rPr lang="de-DE" sz="1400" dirty="0" err="1"/>
+              <a:t>Spawning</a:t>
+            </a:r>
+            <a:r>
+              <a:rPr lang="de-DE" sz="1400" dirty="0"/>
+              <a:t> des Tors übernimmt Klasse </a:t>
+            </a:r>
+            <a:r>
+              <a:rPr lang="de-DE" sz="1400" dirty="0" err="1"/>
+              <a:t>EnemyStats</a:t>
+            </a:r>
+            <a:r>
+              <a:rPr lang="de-DE" sz="1400" dirty="0"/>
+              <a:t> und nächstes Level sowie Übernahme der Werte übernimmt Klasse Gate</a:t>
+            </a:r>
+          </a:p>
+          <a:p>
+            <a:pPr marL="0" indent="0">
+              <a:buNone/>
+            </a:pPr>
+            <a:endParaRPr lang="de-DE" sz="1800" dirty="0"/>
           </a:p>
         </p:txBody>
       </p:sp>

--- a/Anhang.pptx
+++ b/Anhang.pptx
@@ -3031,7 +3031,7 @@
             <a:pPr algn="l"/>
             <a:r>
               <a:rPr lang="de-DE" dirty="0"/>
-              <a:t>      Matrikelnummern: 	000000 	829719 	545607</a:t>
+              <a:t>      Matrikelnummern: 	844890 	829719 	545607</a:t>
             </a:r>
           </a:p>
           <a:p>
@@ -3111,12 +3111,12 @@
         <p:spPr>
           <a:xfrm>
             <a:off x="838200" y="939568"/>
-            <a:ext cx="10515600" cy="5553306"/>
+            <a:ext cx="10515600" cy="5816832"/>
           </a:xfrm>
         </p:spPr>
         <p:txBody>
           <a:bodyPr>
-            <a:normAutofit/>
+            <a:normAutofit fontScale="92500" lnSpcReduction="20000"/>
           </a:bodyPr>
           <a:lstStyle/>
           <a:p>
@@ -3293,6 +3293,67 @@
               <a:rPr lang="de-DE" sz="1400" dirty="0"/>
               <a:t> und nächstes Level sowie Übernahme der Werte übernimmt Klasse Gate</a:t>
             </a:r>
+            <a:endParaRPr lang="de-DE" sz="1800" dirty="0"/>
+          </a:p>
+          <a:p>
+            <a:r>
+              <a:rPr lang="de-DE" sz="1800" dirty="0"/>
+              <a:t>Nach Spielertod, wird eine Todesszene eingeblendet und die Werte auf die Standardwerte zurückgesetzt</a:t>
+            </a:r>
+          </a:p>
+          <a:p>
+            <a:pPr lvl="1"/>
+            <a:r>
+              <a:rPr lang="de-DE" sz="1400" dirty="0"/>
+              <a:t>Wird in der Menüführung als auch im </a:t>
+            </a:r>
+            <a:r>
+              <a:rPr lang="de-DE" sz="1400" dirty="0" err="1"/>
+              <a:t>Respawn</a:t>
+            </a:r>
+            <a:r>
+              <a:rPr lang="de-DE" sz="1400" dirty="0"/>
+              <a:t> Skript übernommen</a:t>
+            </a:r>
+            <a:endParaRPr lang="de-DE" sz="1800" dirty="0"/>
+          </a:p>
+          <a:p>
+            <a:r>
+              <a:rPr lang="de-DE" sz="1800" dirty="0"/>
+              <a:t>Menüführung mit Hauptmenü, Escape Menü und Todesmenü erleichtert die Navigation durch das Spiel </a:t>
+            </a:r>
+          </a:p>
+          <a:p>
+            <a:pPr lvl="1"/>
+            <a:r>
+              <a:rPr lang="de-DE" sz="1400" dirty="0"/>
+              <a:t>Werden durch die Skripte </a:t>
+            </a:r>
+            <a:r>
+              <a:rPr lang="de-DE" sz="1400" dirty="0" err="1"/>
+              <a:t>MainMenu</a:t>
+            </a:r>
+            <a:r>
+              <a:rPr lang="de-DE" sz="1400" dirty="0"/>
+              <a:t>, </a:t>
+            </a:r>
+            <a:r>
+              <a:rPr lang="de-DE" sz="1400" dirty="0" err="1"/>
+              <a:t>EscapeMenu</a:t>
+            </a:r>
+            <a:r>
+              <a:rPr lang="de-DE" sz="1400" dirty="0"/>
+              <a:t> und zwei neuen Szenen Death und Menü </a:t>
+            </a:r>
+            <a:r>
+              <a:rPr lang="de-DE" sz="1400" dirty="0" err="1"/>
+              <a:t>übernommmen</a:t>
+            </a:r>
+            <a:endParaRPr lang="de-DE" sz="1400" dirty="0"/>
+          </a:p>
+          <a:p>
+            <a:pPr lvl="1"/>
+            <a:endParaRPr lang="de-DE" sz="1400" dirty="0"/>
           </a:p>
           <a:p>
             <a:pPr marL="0" indent="0">
@@ -5774,12 +5835,16 @@
           </p:cNvGraphicFramePr>
           <p:nvPr>
             <p:ph idx="1"/>
-            <p:extLst/>
+            <p:extLst>
+              <p:ext uri="{D42A27DB-BD31-4B8C-83A1-F6EECF244321}">
+                <p14:modId xmlns:p14="http://schemas.microsoft.com/office/powerpoint/2010/main" val="1473782593"/>
+              </p:ext>
+            </p:extLst>
           </p:nvPr>
         </p:nvGraphicFramePr>
         <p:xfrm>
           <a:off x="838200" y="1318726"/>
-          <a:ext cx="10515600" cy="5789740"/>
+          <a:ext cx="10515600" cy="6064060"/>
         </p:xfrm>
         <a:graphic>
           <a:graphicData uri="http://schemas.openxmlformats.org/drawingml/2006/table">
@@ -6317,8 +6382,25 @@
                     <a:p>
                       <a:r>
                         <a:rPr lang="de-DE" dirty="0"/>
-                        <a:t>Menu | Item Drop | Item Design</a:t>
-                      </a:r>
+                        <a:t>Menu | Item Drop | Item Design | Neue Level Generierung | </a:t>
+                      </a:r>
+                    </a:p>
+                    <a:p>
+                      <a:r>
+                        <a:rPr lang="de-DE" dirty="0"/>
+                        <a:t>Tod/</a:t>
+                      </a:r>
+                      <a:r>
+                        <a:rPr lang="de-DE" dirty="0" err="1"/>
+                        <a:t>Reset</a:t>
+                      </a:r>
+                      <a:r>
+                        <a:rPr lang="de-DE" dirty="0"/>
+                        <a:t> </a:t>
+                      </a:r>
+                    </a:p>
+                    <a:p>
+                      <a:endParaRPr lang="de-DE" dirty="0"/>
                     </a:p>
                     <a:p>
                       <a:endParaRPr lang="de-DE" dirty="0"/>
@@ -6606,8 +6688,37 @@
           <a:p>
             <a:r>
               <a:rPr lang="de-DE" dirty="0"/>
-              <a:t>Menü</a:t>
-            </a:r>
+              <a:t>Menü 7h</a:t>
+            </a:r>
+          </a:p>
+          <a:p>
+            <a:r>
+              <a:rPr lang="de-DE" dirty="0"/>
+              <a:t>Item Drop /Item Design 8h</a:t>
+            </a:r>
+          </a:p>
+          <a:p>
+            <a:r>
+              <a:rPr lang="de-DE" dirty="0"/>
+              <a:t>Neue Level Generierung 8h</a:t>
+            </a:r>
+          </a:p>
+          <a:p>
+            <a:r>
+              <a:rPr lang="de-DE" dirty="0"/>
+              <a:t>Tod/</a:t>
+            </a:r>
+            <a:r>
+              <a:rPr lang="de-DE" dirty="0" err="1"/>
+              <a:t>Reset</a:t>
+            </a:r>
+            <a:r>
+              <a:rPr lang="de-DE" dirty="0"/>
+              <a:t> 10h</a:t>
+            </a:r>
+          </a:p>
+          <a:p>
+            <a:endParaRPr lang="de-DE" dirty="0"/>
           </a:p>
           <a:p>
             <a:endParaRPr lang="de-DE" dirty="0"/>
